--- a/Report/Book Recommendation.pptx
+++ b/Report/Book Recommendation.pptx
@@ -9447,7 +9447,7 @@
                 </a:solidFill>
                 <a:latin typeface="Georgia" panose="02040502050405020303" pitchFamily="18" charset="0"/>
               </a:rPr>
-              <a:t>Refill missing or wrong user “Age” with remained distribution</a:t>
+              <a:t>Refill missing or wrong user “Age” using distribution of remained data</a:t>
             </a:r>
           </a:p>
           <a:p>

--- a/Report/Book Recommendation.pptx
+++ b/Report/Book Recommendation.pptx
@@ -5,10 +5,10 @@
     <p:sldMasterId id="2147483674" r:id="rId1"/>
   </p:sldMasterIdLst>
   <p:notesMasterIdLst>
-    <p:notesMasterId r:id="rId15"/>
+    <p:notesMasterId r:id="rId18"/>
   </p:notesMasterIdLst>
   <p:handoutMasterIdLst>
-    <p:handoutMasterId r:id="rId16"/>
+    <p:handoutMasterId r:id="rId19"/>
   </p:handoutMasterIdLst>
   <p:sldIdLst>
     <p:sldId id="257" r:id="rId2"/>
@@ -19,11 +19,14 @@
     <p:sldId id="263" r:id="rId7"/>
     <p:sldId id="264" r:id="rId8"/>
     <p:sldId id="265" r:id="rId9"/>
-    <p:sldId id="272" r:id="rId10"/>
-    <p:sldId id="271" r:id="rId11"/>
-    <p:sldId id="266" r:id="rId12"/>
-    <p:sldId id="267" r:id="rId13"/>
-    <p:sldId id="275" r:id="rId14"/>
+    <p:sldId id="278" r:id="rId10"/>
+    <p:sldId id="272" r:id="rId11"/>
+    <p:sldId id="271" r:id="rId12"/>
+    <p:sldId id="266" r:id="rId13"/>
+    <p:sldId id="277" r:id="rId14"/>
+    <p:sldId id="279" r:id="rId15"/>
+    <p:sldId id="267" r:id="rId16"/>
+    <p:sldId id="275" r:id="rId17"/>
   </p:sldIdLst>
   <p:sldSz cx="12192000" cy="6858000"/>
   <p:notesSz cx="6858000" cy="9144000"/>
@@ -217,7 +220,7 @@
             <a:pPr rtl="0"/>
             <a:fld id="{32478718-BA2D-46C4-A83D-33606D828CFF}" type="datetime1">
               <a:rPr lang="vi-VN" smtClean="0"/>
-              <a:t>30/12/2021</a:t>
+              <a:t>06/01/2022</a:t>
             </a:fld>
             <a:endParaRPr lang="en-US" dirty="0"/>
           </a:p>
@@ -387,7 +390,7 @@
             <a:pPr rtl="0"/>
             <a:fld id="{B69EFA7E-F1E7-43C8-9FF3-767D4DDFE217}" type="datetime1">
               <a:rPr lang="vi-VN" smtClean="0"/>
-              <a:t>30/12/2021</a:t>
+              <a:t>06/01/2022</a:t>
             </a:fld>
             <a:endParaRPr lang="en-US"/>
           </a:p>
@@ -1382,7 +1385,7 @@
           <a:p>
             <a:fld id="{1792AA13-FEB2-40EC-A594-EDCBCC748FA7}" type="datetime1">
               <a:rPr lang="vi-VN" smtClean="0"/>
-              <a:t>30/12/2021</a:t>
+              <a:t>06/01/2022</a:t>
             </a:fld>
             <a:endParaRPr lang="en-US" dirty="0"/>
           </a:p>
@@ -1635,7 +1638,7 @@
           <a:p>
             <a:fld id="{1792AA13-FEB2-40EC-A594-EDCBCC748FA7}" type="datetime1">
               <a:rPr lang="vi-VN" smtClean="0"/>
-              <a:t>30/12/2021</a:t>
+              <a:t>06/01/2022</a:t>
             </a:fld>
             <a:endParaRPr lang="en-US" dirty="0"/>
           </a:p>
@@ -1951,7 +1954,7 @@
           <a:p>
             <a:fld id="{1792AA13-FEB2-40EC-A594-EDCBCC748FA7}" type="datetime1">
               <a:rPr lang="vi-VN" smtClean="0"/>
-              <a:t>30/12/2021</a:t>
+              <a:t>06/01/2022</a:t>
             </a:fld>
             <a:endParaRPr lang="en-US" dirty="0"/>
           </a:p>
@@ -2294,7 +2297,7 @@
           <a:p>
             <a:fld id="{1792AA13-FEB2-40EC-A594-EDCBCC748FA7}" type="datetime1">
               <a:rPr lang="vi-VN" smtClean="0"/>
-              <a:t>30/12/2021</a:t>
+              <a:t>06/01/2022</a:t>
             </a:fld>
             <a:endParaRPr lang="en-US" dirty="0"/>
           </a:p>
@@ -2610,7 +2613,7 @@
           <a:p>
             <a:fld id="{1792AA13-FEB2-40EC-A594-EDCBCC748FA7}" type="datetime1">
               <a:rPr lang="vi-VN" smtClean="0"/>
-              <a:t>30/12/2021</a:t>
+              <a:t>06/01/2022</a:t>
             </a:fld>
             <a:endParaRPr lang="en-US" dirty="0"/>
           </a:p>
@@ -3005,7 +3008,7 @@
           <a:p>
             <a:fld id="{1792AA13-FEB2-40EC-A594-EDCBCC748FA7}" type="datetime1">
               <a:rPr lang="vi-VN" smtClean="0"/>
-              <a:t>30/12/2021</a:t>
+              <a:t>06/01/2022</a:t>
             </a:fld>
             <a:endParaRPr lang="en-US" dirty="0"/>
           </a:p>
@@ -3178,7 +3181,7 @@
             <a:pPr rtl="0"/>
             <a:fld id="{A7B7DB05-1E54-4A79-87AA-E40B310E1D17}" type="datetime1">
               <a:rPr lang="vi-VN" smtClean="0"/>
-              <a:t>30/12/2021</a:t>
+              <a:t>06/01/2022</a:t>
             </a:fld>
             <a:endParaRPr lang="en-US" dirty="0"/>
           </a:p>
@@ -3360,7 +3363,7 @@
           <a:p>
             <a:fld id="{1792AA13-FEB2-40EC-A594-EDCBCC748FA7}" type="datetime1">
               <a:rPr lang="vi-VN" smtClean="0"/>
-              <a:t>30/12/2021</a:t>
+              <a:t>06/01/2022</a:t>
             </a:fld>
             <a:endParaRPr lang="en-US" dirty="0"/>
           </a:p>
@@ -3538,7 +3541,7 @@
           <a:p>
             <a:fld id="{1792AA13-FEB2-40EC-A594-EDCBCC748FA7}" type="datetime1">
               <a:rPr lang="vi-VN" smtClean="0"/>
-              <a:t>30/12/2021</a:t>
+              <a:t>06/01/2022</a:t>
             </a:fld>
             <a:endParaRPr lang="en-US" dirty="0"/>
           </a:p>
@@ -3787,7 +3790,7 @@
           <a:p>
             <a:fld id="{1792AA13-FEB2-40EC-A594-EDCBCC748FA7}" type="datetime1">
               <a:rPr lang="vi-VN" smtClean="0"/>
-              <a:t>30/12/2021</a:t>
+              <a:t>06/01/2022</a:t>
             </a:fld>
             <a:endParaRPr lang="en-US" dirty="0"/>
           </a:p>
@@ -4021,7 +4024,7 @@
           <a:p>
             <a:fld id="{1792AA13-FEB2-40EC-A594-EDCBCC748FA7}" type="datetime1">
               <a:rPr lang="vi-VN" smtClean="0"/>
-              <a:t>30/12/2021</a:t>
+              <a:t>06/01/2022</a:t>
             </a:fld>
             <a:endParaRPr lang="en-US" dirty="0"/>
           </a:p>
@@ -4397,7 +4400,7 @@
           <a:p>
             <a:fld id="{1792AA13-FEB2-40EC-A594-EDCBCC748FA7}" type="datetime1">
               <a:rPr lang="vi-VN" smtClean="0"/>
-              <a:t>30/12/2021</a:t>
+              <a:t>06/01/2022</a:t>
             </a:fld>
             <a:endParaRPr lang="en-US" dirty="0"/>
           </a:p>
@@ -4522,7 +4525,7 @@
           <a:p>
             <a:fld id="{1792AA13-FEB2-40EC-A594-EDCBCC748FA7}" type="datetime1">
               <a:rPr lang="vi-VN" smtClean="0"/>
-              <a:t>30/12/2021</a:t>
+              <a:t>06/01/2022</a:t>
             </a:fld>
             <a:endParaRPr lang="en-US" dirty="0"/>
           </a:p>
@@ -4619,7 +4622,7 @@
           <a:p>
             <a:fld id="{1792AA13-FEB2-40EC-A594-EDCBCC748FA7}" type="datetime1">
               <a:rPr lang="vi-VN" smtClean="0"/>
-              <a:t>30/12/2021</a:t>
+              <a:t>06/01/2022</a:t>
             </a:fld>
             <a:endParaRPr lang="en-US" dirty="0"/>
           </a:p>
@@ -4876,7 +4879,7 @@
           <a:p>
             <a:fld id="{1792AA13-FEB2-40EC-A594-EDCBCC748FA7}" type="datetime1">
               <a:rPr lang="vi-VN" smtClean="0"/>
-              <a:t>30/12/2021</a:t>
+              <a:t>06/01/2022</a:t>
             </a:fld>
             <a:endParaRPr lang="en-US" dirty="0"/>
           </a:p>
@@ -5141,7 +5144,7 @@
           <a:p>
             <a:fld id="{1792AA13-FEB2-40EC-A594-EDCBCC748FA7}" type="datetime1">
               <a:rPr lang="vi-VN" smtClean="0"/>
-              <a:t>30/12/2021</a:t>
+              <a:t>06/01/2022</a:t>
             </a:fld>
             <a:endParaRPr lang="en-US" dirty="0"/>
           </a:p>
@@ -5886,7 +5889,7 @@
           <a:p>
             <a:fld id="{1792AA13-FEB2-40EC-A594-EDCBCC748FA7}" type="datetime1">
               <a:rPr lang="vi-VN" smtClean="0"/>
-              <a:t>30/12/2021</a:t>
+              <a:t>06/01/2022</a:t>
             </a:fld>
             <a:endParaRPr lang="en-US" dirty="0"/>
           </a:p>
@@ -6636,6 +6639,659 @@
           <p:cNvPr id="2" name="Tiêu đề 1">
             <a:extLst>
               <a:ext uri="{FF2B5EF4-FFF2-40B4-BE49-F238E27FC236}">
+                <a16:creationId xmlns:a16="http://schemas.microsoft.com/office/drawing/2014/main" id="{7AA02156-CA34-43F6-8E21-AE6E801DC8DE}"/>
+              </a:ext>
+            </a:extLst>
+          </p:cNvPr>
+          <p:cNvSpPr>
+            <a:spLocks noGrp="1"/>
+          </p:cNvSpPr>
+          <p:nvPr>
+            <p:ph type="title"/>
+          </p:nvPr>
+        </p:nvSpPr>
+        <p:spPr/>
+        <p:txBody>
+          <a:bodyPr/>
+          <a:lstStyle/>
+          <a:p>
+            <a:r>
+              <a:rPr lang="en-US" sz="3600" dirty="0">
+                <a:solidFill>
+                  <a:schemeClr val="tx1">
+                    <a:lumMod val="85000"/>
+                    <a:lumOff val="15000"/>
+                  </a:schemeClr>
+                </a:solidFill>
+              </a:rPr>
+              <a:t>Collaborative Filtering</a:t>
+            </a:r>
+            <a:endParaRPr lang="vi-VN" dirty="0"/>
+          </a:p>
+        </p:txBody>
+      </p:sp>
+      <p:sp>
+        <p:nvSpPr>
+          <p:cNvPr id="3" name="Chỗ dành sẵn cho Nội dung 2">
+            <a:extLst>
+              <a:ext uri="{FF2B5EF4-FFF2-40B4-BE49-F238E27FC236}">
+                <a16:creationId xmlns:a16="http://schemas.microsoft.com/office/drawing/2014/main" id="{1D96E939-BAFC-4CAE-83A0-FEACED169B1E}"/>
+              </a:ext>
+            </a:extLst>
+          </p:cNvPr>
+          <p:cNvSpPr>
+            <a:spLocks noGrp="1"/>
+          </p:cNvSpPr>
+          <p:nvPr>
+            <p:ph idx="1"/>
+          </p:nvPr>
+        </p:nvSpPr>
+        <p:spPr>
+          <a:xfrm>
+            <a:off x="688534" y="1675620"/>
+            <a:ext cx="8596668" cy="4572780"/>
+          </a:xfrm>
+        </p:spPr>
+        <p:txBody>
+          <a:bodyPr>
+            <a:noAutofit/>
+          </a:bodyPr>
+          <a:lstStyle/>
+          <a:p>
+            <a:r>
+              <a:rPr lang="en-US" sz="2400" dirty="0">
+                <a:latin typeface="Georgia" panose="02040502050405020303" pitchFamily="18" charset="0"/>
+                <a:cs typeface="Arial" panose="020B0604020202020204" pitchFamily="34" charset="0"/>
+              </a:rPr>
+              <a:t>Simple Mean:</a:t>
+            </a:r>
+          </a:p>
+          <a:p>
+            <a:pPr lvl="1"/>
+            <a:r>
+              <a:rPr lang="en-US" sz="2400" dirty="0">
+                <a:latin typeface="Georgia" panose="02040502050405020303" pitchFamily="18" charset="0"/>
+                <a:cs typeface="Arial" panose="020B0604020202020204" pitchFamily="34" charset="0"/>
+              </a:rPr>
+              <a:t>Simplest Model</a:t>
+            </a:r>
+          </a:p>
+          <a:p>
+            <a:pPr lvl="1"/>
+            <a:r>
+              <a:rPr lang="en-US" sz="2400" dirty="0">
+                <a:latin typeface="Georgia" panose="02040502050405020303" pitchFamily="18" charset="0"/>
+                <a:cs typeface="Arial" panose="020B0604020202020204" pitchFamily="34" charset="0"/>
+              </a:rPr>
+              <a:t>Use average recommendation across users</a:t>
+            </a:r>
+          </a:p>
+          <a:p>
+            <a:r>
+              <a:rPr lang="en-US" sz="2400" dirty="0">
+                <a:latin typeface="Georgia" panose="02040502050405020303" pitchFamily="18" charset="0"/>
+                <a:cs typeface="Arial" panose="020B0604020202020204" pitchFamily="34" charset="0"/>
+              </a:rPr>
+              <a:t>Weighted Mean :</a:t>
+            </a:r>
+          </a:p>
+          <a:p>
+            <a:pPr lvl="1"/>
+            <a:r>
+              <a:rPr lang="en-US" sz="2400" dirty="0">
+                <a:latin typeface="Georgia" panose="02040502050405020303" pitchFamily="18" charset="0"/>
+                <a:cs typeface="Arial" panose="020B0604020202020204" pitchFamily="34" charset="0"/>
+              </a:rPr>
+              <a:t>Identify similar users with cosine score</a:t>
+            </a:r>
+          </a:p>
+          <a:p>
+            <a:pPr lvl="1"/>
+            <a:r>
+              <a:rPr lang="en-US" sz="2400" dirty="0">
+                <a:latin typeface="Georgia" panose="02040502050405020303" pitchFamily="18" charset="0"/>
+              </a:rPr>
+              <a:t>Multiply recommendation with similar score before summing up</a:t>
+            </a:r>
+            <a:endParaRPr lang="vi-VN" sz="2400" dirty="0"/>
+          </a:p>
+          <a:p>
+            <a:r>
+              <a:rPr lang="en-US" sz="2400" dirty="0">
+                <a:latin typeface="Georgia" panose="02040502050405020303" pitchFamily="18" charset="0"/>
+                <a:cs typeface="Arial" panose="020B0604020202020204" pitchFamily="34" charset="0"/>
+              </a:rPr>
+              <a:t>Advanced Method:</a:t>
+            </a:r>
+          </a:p>
+          <a:p>
+            <a:pPr lvl="1"/>
+            <a:r>
+              <a:rPr lang="en-US" sz="2400" dirty="0">
+                <a:latin typeface="Georgia" panose="02040502050405020303" pitchFamily="18" charset="0"/>
+                <a:cs typeface="Arial" panose="020B0604020202020204" pitchFamily="34" charset="0"/>
+              </a:rPr>
+              <a:t>Use Machine Learning to identify user clusters</a:t>
+            </a:r>
+          </a:p>
+          <a:p>
+            <a:pPr lvl="1"/>
+            <a:r>
+              <a:rPr lang="en-US" sz="2400" dirty="0">
+                <a:latin typeface="Georgia" panose="02040502050405020303" pitchFamily="18" charset="0"/>
+                <a:cs typeface="Arial" panose="020B0604020202020204" pitchFamily="34" charset="0"/>
+              </a:rPr>
+              <a:t>Surprise Scikit</a:t>
+            </a:r>
+          </a:p>
+        </p:txBody>
+      </p:sp>
+    </p:spTree>
+    <p:extLst>
+      <p:ext uri="{BB962C8B-B14F-4D97-AF65-F5344CB8AC3E}">
+        <p14:creationId xmlns:p14="http://schemas.microsoft.com/office/powerpoint/2010/main" val="731378233"/>
+      </p:ext>
+    </p:extLst>
+  </p:cSld>
+  <p:clrMapOvr>
+    <a:masterClrMapping/>
+  </p:clrMapOvr>
+  <p:timing>
+    <p:tnLst>
+      <p:par>
+        <p:cTn id="1" dur="indefinite" restart="never" nodeType="tmRoot">
+          <p:childTnLst>
+            <p:seq concurrent="1" nextAc="seek">
+              <p:cTn id="2" dur="indefinite" nodeType="mainSeq">
+                <p:childTnLst>
+                  <p:par>
+                    <p:cTn id="3" fill="hold">
+                      <p:stCondLst>
+                        <p:cond delay="indefinite"/>
+                      </p:stCondLst>
+                      <p:childTnLst>
+                        <p:par>
+                          <p:cTn id="4" fill="hold">
+                            <p:stCondLst>
+                              <p:cond delay="0"/>
+                            </p:stCondLst>
+                            <p:childTnLst>
+                              <p:par>
+                                <p:cTn id="5" presetID="1" presetClass="entr" presetSubtype="0" fill="hold" nodeType="clickEffect">
+                                  <p:stCondLst>
+                                    <p:cond delay="0"/>
+                                  </p:stCondLst>
+                                  <p:childTnLst>
+                                    <p:set>
+                                      <p:cBhvr>
+                                        <p:cTn id="6" dur="1" fill="hold">
+                                          <p:stCondLst>
+                                            <p:cond delay="0"/>
+                                          </p:stCondLst>
+                                        </p:cTn>
+                                        <p:tgtEl>
+                                          <p:spTgt spid="3">
+                                            <p:txEl>
+                                              <p:pRg st="0" end="0"/>
+                                            </p:txEl>
+                                          </p:spTgt>
+                                        </p:tgtEl>
+                                        <p:attrNameLst>
+                                          <p:attrName>style.visibility</p:attrName>
+                                        </p:attrNameLst>
+                                      </p:cBhvr>
+                                      <p:to>
+                                        <p:strVal val="visible"/>
+                                      </p:to>
+                                    </p:set>
+                                  </p:childTnLst>
+                                </p:cTn>
+                              </p:par>
+                            </p:childTnLst>
+                          </p:cTn>
+                        </p:par>
+                      </p:childTnLst>
+                    </p:cTn>
+                  </p:par>
+                  <p:par>
+                    <p:cTn id="7" fill="hold">
+                      <p:stCondLst>
+                        <p:cond delay="indefinite"/>
+                      </p:stCondLst>
+                      <p:childTnLst>
+                        <p:par>
+                          <p:cTn id="8" fill="hold">
+                            <p:stCondLst>
+                              <p:cond delay="0"/>
+                            </p:stCondLst>
+                            <p:childTnLst>
+                              <p:par>
+                                <p:cTn id="9" presetID="1" presetClass="entr" presetSubtype="0" fill="hold" nodeType="clickEffect">
+                                  <p:stCondLst>
+                                    <p:cond delay="0"/>
+                                  </p:stCondLst>
+                                  <p:childTnLst>
+                                    <p:set>
+                                      <p:cBhvr>
+                                        <p:cTn id="10" dur="1" fill="hold">
+                                          <p:stCondLst>
+                                            <p:cond delay="0"/>
+                                          </p:stCondLst>
+                                        </p:cTn>
+                                        <p:tgtEl>
+                                          <p:spTgt spid="3">
+                                            <p:txEl>
+                                              <p:pRg st="1" end="1"/>
+                                            </p:txEl>
+                                          </p:spTgt>
+                                        </p:tgtEl>
+                                        <p:attrNameLst>
+                                          <p:attrName>style.visibility</p:attrName>
+                                        </p:attrNameLst>
+                                      </p:cBhvr>
+                                      <p:to>
+                                        <p:strVal val="visible"/>
+                                      </p:to>
+                                    </p:set>
+                                  </p:childTnLst>
+                                </p:cTn>
+                              </p:par>
+                            </p:childTnLst>
+                          </p:cTn>
+                        </p:par>
+                      </p:childTnLst>
+                    </p:cTn>
+                  </p:par>
+                  <p:par>
+                    <p:cTn id="11" fill="hold">
+                      <p:stCondLst>
+                        <p:cond delay="indefinite"/>
+                      </p:stCondLst>
+                      <p:childTnLst>
+                        <p:par>
+                          <p:cTn id="12" fill="hold">
+                            <p:stCondLst>
+                              <p:cond delay="0"/>
+                            </p:stCondLst>
+                            <p:childTnLst>
+                              <p:par>
+                                <p:cTn id="13" presetID="1" presetClass="entr" presetSubtype="0" fill="hold" nodeType="clickEffect">
+                                  <p:stCondLst>
+                                    <p:cond delay="0"/>
+                                  </p:stCondLst>
+                                  <p:childTnLst>
+                                    <p:set>
+                                      <p:cBhvr>
+                                        <p:cTn id="14" dur="1" fill="hold">
+                                          <p:stCondLst>
+                                            <p:cond delay="0"/>
+                                          </p:stCondLst>
+                                        </p:cTn>
+                                        <p:tgtEl>
+                                          <p:spTgt spid="3">
+                                            <p:txEl>
+                                              <p:pRg st="2" end="2"/>
+                                            </p:txEl>
+                                          </p:spTgt>
+                                        </p:tgtEl>
+                                        <p:attrNameLst>
+                                          <p:attrName>style.visibility</p:attrName>
+                                        </p:attrNameLst>
+                                      </p:cBhvr>
+                                      <p:to>
+                                        <p:strVal val="visible"/>
+                                      </p:to>
+                                    </p:set>
+                                  </p:childTnLst>
+                                </p:cTn>
+                              </p:par>
+                            </p:childTnLst>
+                          </p:cTn>
+                        </p:par>
+                      </p:childTnLst>
+                    </p:cTn>
+                  </p:par>
+                  <p:par>
+                    <p:cTn id="15" fill="hold">
+                      <p:stCondLst>
+                        <p:cond delay="indefinite"/>
+                      </p:stCondLst>
+                      <p:childTnLst>
+                        <p:par>
+                          <p:cTn id="16" fill="hold">
+                            <p:stCondLst>
+                              <p:cond delay="0"/>
+                            </p:stCondLst>
+                            <p:childTnLst>
+                              <p:par>
+                                <p:cTn id="17" presetID="1" presetClass="entr" presetSubtype="0" fill="hold" nodeType="clickEffect">
+                                  <p:stCondLst>
+                                    <p:cond delay="0"/>
+                                  </p:stCondLst>
+                                  <p:childTnLst>
+                                    <p:set>
+                                      <p:cBhvr>
+                                        <p:cTn id="18" dur="1" fill="hold">
+                                          <p:stCondLst>
+                                            <p:cond delay="0"/>
+                                          </p:stCondLst>
+                                        </p:cTn>
+                                        <p:tgtEl>
+                                          <p:spTgt spid="3">
+                                            <p:txEl>
+                                              <p:pRg st="3" end="3"/>
+                                            </p:txEl>
+                                          </p:spTgt>
+                                        </p:tgtEl>
+                                        <p:attrNameLst>
+                                          <p:attrName>style.visibility</p:attrName>
+                                        </p:attrNameLst>
+                                      </p:cBhvr>
+                                      <p:to>
+                                        <p:strVal val="visible"/>
+                                      </p:to>
+                                    </p:set>
+                                  </p:childTnLst>
+                                </p:cTn>
+                              </p:par>
+                            </p:childTnLst>
+                          </p:cTn>
+                        </p:par>
+                      </p:childTnLst>
+                    </p:cTn>
+                  </p:par>
+                  <p:par>
+                    <p:cTn id="19" fill="hold">
+                      <p:stCondLst>
+                        <p:cond delay="indefinite"/>
+                      </p:stCondLst>
+                      <p:childTnLst>
+                        <p:par>
+                          <p:cTn id="20" fill="hold">
+                            <p:stCondLst>
+                              <p:cond delay="0"/>
+                            </p:stCondLst>
+                            <p:childTnLst>
+                              <p:par>
+                                <p:cTn id="21" presetID="1" presetClass="entr" presetSubtype="0" fill="hold" nodeType="clickEffect">
+                                  <p:stCondLst>
+                                    <p:cond delay="0"/>
+                                  </p:stCondLst>
+                                  <p:childTnLst>
+                                    <p:set>
+                                      <p:cBhvr>
+                                        <p:cTn id="22" dur="1" fill="hold">
+                                          <p:stCondLst>
+                                            <p:cond delay="0"/>
+                                          </p:stCondLst>
+                                        </p:cTn>
+                                        <p:tgtEl>
+                                          <p:spTgt spid="3">
+                                            <p:txEl>
+                                              <p:pRg st="4" end="4"/>
+                                            </p:txEl>
+                                          </p:spTgt>
+                                        </p:tgtEl>
+                                        <p:attrNameLst>
+                                          <p:attrName>style.visibility</p:attrName>
+                                        </p:attrNameLst>
+                                      </p:cBhvr>
+                                      <p:to>
+                                        <p:strVal val="visible"/>
+                                      </p:to>
+                                    </p:set>
+                                  </p:childTnLst>
+                                </p:cTn>
+                              </p:par>
+                            </p:childTnLst>
+                          </p:cTn>
+                        </p:par>
+                      </p:childTnLst>
+                    </p:cTn>
+                  </p:par>
+                  <p:par>
+                    <p:cTn id="23" fill="hold">
+                      <p:stCondLst>
+                        <p:cond delay="indefinite"/>
+                      </p:stCondLst>
+                      <p:childTnLst>
+                        <p:par>
+                          <p:cTn id="24" fill="hold">
+                            <p:stCondLst>
+                              <p:cond delay="0"/>
+                            </p:stCondLst>
+                            <p:childTnLst>
+                              <p:par>
+                                <p:cTn id="25" presetID="1" presetClass="entr" presetSubtype="0" fill="hold" nodeType="clickEffect">
+                                  <p:stCondLst>
+                                    <p:cond delay="0"/>
+                                  </p:stCondLst>
+                                  <p:childTnLst>
+                                    <p:set>
+                                      <p:cBhvr>
+                                        <p:cTn id="26" dur="1" fill="hold">
+                                          <p:stCondLst>
+                                            <p:cond delay="0"/>
+                                          </p:stCondLst>
+                                        </p:cTn>
+                                        <p:tgtEl>
+                                          <p:spTgt spid="3">
+                                            <p:txEl>
+                                              <p:pRg st="5" end="5"/>
+                                            </p:txEl>
+                                          </p:spTgt>
+                                        </p:tgtEl>
+                                        <p:attrNameLst>
+                                          <p:attrName>style.visibility</p:attrName>
+                                        </p:attrNameLst>
+                                      </p:cBhvr>
+                                      <p:to>
+                                        <p:strVal val="visible"/>
+                                      </p:to>
+                                    </p:set>
+                                  </p:childTnLst>
+                                </p:cTn>
+                              </p:par>
+                            </p:childTnLst>
+                          </p:cTn>
+                        </p:par>
+                      </p:childTnLst>
+                    </p:cTn>
+                  </p:par>
+                  <p:par>
+                    <p:cTn id="27" fill="hold">
+                      <p:stCondLst>
+                        <p:cond delay="indefinite"/>
+                      </p:stCondLst>
+                      <p:childTnLst>
+                        <p:par>
+                          <p:cTn id="28" fill="hold">
+                            <p:stCondLst>
+                              <p:cond delay="0"/>
+                            </p:stCondLst>
+                            <p:childTnLst>
+                              <p:par>
+                                <p:cTn id="29" presetID="1" presetClass="entr" presetSubtype="0" fill="hold" nodeType="clickEffect">
+                                  <p:stCondLst>
+                                    <p:cond delay="0"/>
+                                  </p:stCondLst>
+                                  <p:childTnLst>
+                                    <p:set>
+                                      <p:cBhvr>
+                                        <p:cTn id="30" dur="1" fill="hold">
+                                          <p:stCondLst>
+                                            <p:cond delay="0"/>
+                                          </p:stCondLst>
+                                        </p:cTn>
+                                        <p:tgtEl>
+                                          <p:spTgt spid="3">
+                                            <p:txEl>
+                                              <p:pRg st="6" end="6"/>
+                                            </p:txEl>
+                                          </p:spTgt>
+                                        </p:tgtEl>
+                                        <p:attrNameLst>
+                                          <p:attrName>style.visibility</p:attrName>
+                                        </p:attrNameLst>
+                                      </p:cBhvr>
+                                      <p:to>
+                                        <p:strVal val="visible"/>
+                                      </p:to>
+                                    </p:set>
+                                  </p:childTnLst>
+                                </p:cTn>
+                              </p:par>
+                            </p:childTnLst>
+                          </p:cTn>
+                        </p:par>
+                      </p:childTnLst>
+                    </p:cTn>
+                  </p:par>
+                  <p:par>
+                    <p:cTn id="31" fill="hold">
+                      <p:stCondLst>
+                        <p:cond delay="indefinite"/>
+                      </p:stCondLst>
+                      <p:childTnLst>
+                        <p:par>
+                          <p:cTn id="32" fill="hold">
+                            <p:stCondLst>
+                              <p:cond delay="0"/>
+                            </p:stCondLst>
+                            <p:childTnLst>
+                              <p:par>
+                                <p:cTn id="33" presetID="1" presetClass="entr" presetSubtype="0" fill="hold" nodeType="clickEffect">
+                                  <p:stCondLst>
+                                    <p:cond delay="0"/>
+                                  </p:stCondLst>
+                                  <p:childTnLst>
+                                    <p:set>
+                                      <p:cBhvr>
+                                        <p:cTn id="34" dur="1" fill="hold">
+                                          <p:stCondLst>
+                                            <p:cond delay="0"/>
+                                          </p:stCondLst>
+                                        </p:cTn>
+                                        <p:tgtEl>
+                                          <p:spTgt spid="3">
+                                            <p:txEl>
+                                              <p:pRg st="7" end="7"/>
+                                            </p:txEl>
+                                          </p:spTgt>
+                                        </p:tgtEl>
+                                        <p:attrNameLst>
+                                          <p:attrName>style.visibility</p:attrName>
+                                        </p:attrNameLst>
+                                      </p:cBhvr>
+                                      <p:to>
+                                        <p:strVal val="visible"/>
+                                      </p:to>
+                                    </p:set>
+                                  </p:childTnLst>
+                                </p:cTn>
+                              </p:par>
+                            </p:childTnLst>
+                          </p:cTn>
+                        </p:par>
+                      </p:childTnLst>
+                    </p:cTn>
+                  </p:par>
+                  <p:par>
+                    <p:cTn id="35" fill="hold">
+                      <p:stCondLst>
+                        <p:cond delay="indefinite"/>
+                      </p:stCondLst>
+                      <p:childTnLst>
+                        <p:par>
+                          <p:cTn id="36" fill="hold">
+                            <p:stCondLst>
+                              <p:cond delay="0"/>
+                            </p:stCondLst>
+                            <p:childTnLst>
+                              <p:par>
+                                <p:cTn id="37" presetID="1" presetClass="entr" presetSubtype="0" fill="hold" nodeType="clickEffect">
+                                  <p:stCondLst>
+                                    <p:cond delay="0"/>
+                                  </p:stCondLst>
+                                  <p:childTnLst>
+                                    <p:set>
+                                      <p:cBhvr>
+                                        <p:cTn id="38" dur="1" fill="hold">
+                                          <p:stCondLst>
+                                            <p:cond delay="0"/>
+                                          </p:stCondLst>
+                                        </p:cTn>
+                                        <p:tgtEl>
+                                          <p:spTgt spid="3">
+                                            <p:txEl>
+                                              <p:pRg st="8" end="8"/>
+                                            </p:txEl>
+                                          </p:spTgt>
+                                        </p:tgtEl>
+                                        <p:attrNameLst>
+                                          <p:attrName>style.visibility</p:attrName>
+                                        </p:attrNameLst>
+                                      </p:cBhvr>
+                                      <p:to>
+                                        <p:strVal val="visible"/>
+                                      </p:to>
+                                    </p:set>
+                                  </p:childTnLst>
+                                </p:cTn>
+                              </p:par>
+                            </p:childTnLst>
+                          </p:cTn>
+                        </p:par>
+                      </p:childTnLst>
+                    </p:cTn>
+                  </p:par>
+                </p:childTnLst>
+              </p:cTn>
+              <p:prevCondLst>
+                <p:cond evt="onPrev" delay="0">
+                  <p:tgtEl>
+                    <p:sldTgt/>
+                  </p:tgtEl>
+                </p:cond>
+              </p:prevCondLst>
+              <p:nextCondLst>
+                <p:cond evt="onNext" delay="0">
+                  <p:tgtEl>
+                    <p:sldTgt/>
+                  </p:tgtEl>
+                </p:cond>
+              </p:nextCondLst>
+            </p:seq>
+          </p:childTnLst>
+        </p:cTn>
+      </p:par>
+    </p:tnLst>
+  </p:timing>
+</p:sld>
+</file>
+
+<file path=ppt/slides/slide11.xml><?xml version="1.0" encoding="utf-8"?>
+<p:sld xmlns:a="http://schemas.openxmlformats.org/drawingml/2006/main" xmlns:r="http://schemas.openxmlformats.org/officeDocument/2006/relationships" xmlns:p="http://schemas.openxmlformats.org/presentationml/2006/main">
+  <p:cSld>
+    <p:spTree>
+      <p:nvGrpSpPr>
+        <p:cNvPr id="1" name=""/>
+        <p:cNvGrpSpPr/>
+        <p:nvPr/>
+      </p:nvGrpSpPr>
+      <p:grpSpPr>
+        <a:xfrm>
+          <a:off x="0" y="0"/>
+          <a:ext cx="0" cy="0"/>
+          <a:chOff x="0" y="0"/>
+          <a:chExt cx="0" cy="0"/>
+        </a:xfrm>
+      </p:grpSpPr>
+      <p:sp>
+        <p:nvSpPr>
+          <p:cNvPr id="2" name="Tiêu đề 1">
+            <a:extLst>
+              <a:ext uri="{FF2B5EF4-FFF2-40B4-BE49-F238E27FC236}">
                 <a16:creationId xmlns:a16="http://schemas.microsoft.com/office/drawing/2014/main" id="{625A998E-56FA-4DA2-BD8E-3499A2C7B978}"/>
               </a:ext>
             </a:extLst>
@@ -6992,10 +7648,628 @@
   <p:clrMapOvr>
     <a:masterClrMapping/>
   </p:clrMapOvr>
+  <p:timing>
+    <p:tnLst>
+      <p:par>
+        <p:cTn id="1" dur="indefinite" restart="never" nodeType="tmRoot">
+          <p:childTnLst>
+            <p:seq concurrent="1" nextAc="seek">
+              <p:cTn id="2" dur="indefinite" nodeType="mainSeq">
+                <p:childTnLst>
+                  <p:par>
+                    <p:cTn id="3" fill="hold">
+                      <p:stCondLst>
+                        <p:cond delay="indefinite"/>
+                      </p:stCondLst>
+                      <p:childTnLst>
+                        <p:par>
+                          <p:cTn id="4" fill="hold">
+                            <p:stCondLst>
+                              <p:cond delay="0"/>
+                            </p:stCondLst>
+                            <p:childTnLst>
+                              <p:par>
+                                <p:cTn id="5" presetID="1" presetClass="entr" presetSubtype="0" fill="hold" nodeType="clickEffect">
+                                  <p:stCondLst>
+                                    <p:cond delay="0"/>
+                                  </p:stCondLst>
+                                  <p:childTnLst>
+                                    <p:set>
+                                      <p:cBhvr>
+                                        <p:cTn id="6" dur="1" fill="hold">
+                                          <p:stCondLst>
+                                            <p:cond delay="0"/>
+                                          </p:stCondLst>
+                                        </p:cTn>
+                                        <p:tgtEl>
+                                          <p:spTgt spid="6">
+                                            <p:txEl>
+                                              <p:pRg st="0" end="0"/>
+                                            </p:txEl>
+                                          </p:spTgt>
+                                        </p:tgtEl>
+                                        <p:attrNameLst>
+                                          <p:attrName>style.visibility</p:attrName>
+                                        </p:attrNameLst>
+                                      </p:cBhvr>
+                                      <p:to>
+                                        <p:strVal val="visible"/>
+                                      </p:to>
+                                    </p:set>
+                                  </p:childTnLst>
+                                </p:cTn>
+                              </p:par>
+                            </p:childTnLst>
+                          </p:cTn>
+                        </p:par>
+                      </p:childTnLst>
+                    </p:cTn>
+                  </p:par>
+                  <p:par>
+                    <p:cTn id="7" fill="hold">
+                      <p:stCondLst>
+                        <p:cond delay="indefinite"/>
+                      </p:stCondLst>
+                      <p:childTnLst>
+                        <p:par>
+                          <p:cTn id="8" fill="hold">
+                            <p:stCondLst>
+                              <p:cond delay="0"/>
+                            </p:stCondLst>
+                            <p:childTnLst>
+                              <p:par>
+                                <p:cTn id="9" presetID="1" presetClass="entr" presetSubtype="0" fill="hold" nodeType="clickEffect">
+                                  <p:stCondLst>
+                                    <p:cond delay="0"/>
+                                  </p:stCondLst>
+                                  <p:childTnLst>
+                                    <p:set>
+                                      <p:cBhvr>
+                                        <p:cTn id="10" dur="1" fill="hold">
+                                          <p:stCondLst>
+                                            <p:cond delay="0"/>
+                                          </p:stCondLst>
+                                        </p:cTn>
+                                        <p:tgtEl>
+                                          <p:spTgt spid="6">
+                                            <p:txEl>
+                                              <p:pRg st="2" end="2"/>
+                                            </p:txEl>
+                                          </p:spTgt>
+                                        </p:tgtEl>
+                                        <p:attrNameLst>
+                                          <p:attrName>style.visibility</p:attrName>
+                                        </p:attrNameLst>
+                                      </p:cBhvr>
+                                      <p:to>
+                                        <p:strVal val="visible"/>
+                                      </p:to>
+                                    </p:set>
+                                  </p:childTnLst>
+                                </p:cTn>
+                              </p:par>
+                            </p:childTnLst>
+                          </p:cTn>
+                        </p:par>
+                      </p:childTnLst>
+                    </p:cTn>
+                  </p:par>
+                  <p:par>
+                    <p:cTn id="11" fill="hold">
+                      <p:stCondLst>
+                        <p:cond delay="indefinite"/>
+                      </p:stCondLst>
+                      <p:childTnLst>
+                        <p:par>
+                          <p:cTn id="12" fill="hold">
+                            <p:stCondLst>
+                              <p:cond delay="0"/>
+                            </p:stCondLst>
+                            <p:childTnLst>
+                              <p:par>
+                                <p:cTn id="13" presetID="1" presetClass="entr" presetSubtype="0" fill="hold" nodeType="clickEffect">
+                                  <p:stCondLst>
+                                    <p:cond delay="0"/>
+                                  </p:stCondLst>
+                                  <p:childTnLst>
+                                    <p:set>
+                                      <p:cBhvr>
+                                        <p:cTn id="14" dur="1" fill="hold">
+                                          <p:stCondLst>
+                                            <p:cond delay="0"/>
+                                          </p:stCondLst>
+                                        </p:cTn>
+                                        <p:tgtEl>
+                                          <p:spTgt spid="6">
+                                            <p:txEl>
+                                              <p:pRg st="3" end="3"/>
+                                            </p:txEl>
+                                          </p:spTgt>
+                                        </p:tgtEl>
+                                        <p:attrNameLst>
+                                          <p:attrName>style.visibility</p:attrName>
+                                        </p:attrNameLst>
+                                      </p:cBhvr>
+                                      <p:to>
+                                        <p:strVal val="visible"/>
+                                      </p:to>
+                                    </p:set>
+                                  </p:childTnLst>
+                                </p:cTn>
+                              </p:par>
+                            </p:childTnLst>
+                          </p:cTn>
+                        </p:par>
+                      </p:childTnLst>
+                    </p:cTn>
+                  </p:par>
+                  <p:par>
+                    <p:cTn id="15" fill="hold">
+                      <p:stCondLst>
+                        <p:cond delay="indefinite"/>
+                      </p:stCondLst>
+                      <p:childTnLst>
+                        <p:par>
+                          <p:cTn id="16" fill="hold">
+                            <p:stCondLst>
+                              <p:cond delay="0"/>
+                            </p:stCondLst>
+                            <p:childTnLst>
+                              <p:par>
+                                <p:cTn id="17" presetID="1" presetClass="entr" presetSubtype="0" fill="hold" nodeType="clickEffect">
+                                  <p:stCondLst>
+                                    <p:cond delay="0"/>
+                                  </p:stCondLst>
+                                  <p:childTnLst>
+                                    <p:set>
+                                      <p:cBhvr>
+                                        <p:cTn id="18" dur="1" fill="hold">
+                                          <p:stCondLst>
+                                            <p:cond delay="0"/>
+                                          </p:stCondLst>
+                                        </p:cTn>
+                                        <p:tgtEl>
+                                          <p:spTgt spid="6">
+                                            <p:txEl>
+                                              <p:pRg st="4" end="4"/>
+                                            </p:txEl>
+                                          </p:spTgt>
+                                        </p:tgtEl>
+                                        <p:attrNameLst>
+                                          <p:attrName>style.visibility</p:attrName>
+                                        </p:attrNameLst>
+                                      </p:cBhvr>
+                                      <p:to>
+                                        <p:strVal val="visible"/>
+                                      </p:to>
+                                    </p:set>
+                                  </p:childTnLst>
+                                </p:cTn>
+                              </p:par>
+                            </p:childTnLst>
+                          </p:cTn>
+                        </p:par>
+                      </p:childTnLst>
+                    </p:cTn>
+                  </p:par>
+                  <p:par>
+                    <p:cTn id="19" fill="hold">
+                      <p:stCondLst>
+                        <p:cond delay="indefinite"/>
+                      </p:stCondLst>
+                      <p:childTnLst>
+                        <p:par>
+                          <p:cTn id="20" fill="hold">
+                            <p:stCondLst>
+                              <p:cond delay="0"/>
+                            </p:stCondLst>
+                            <p:childTnLst>
+                              <p:par>
+                                <p:cTn id="21" presetID="1" presetClass="entr" presetSubtype="0" fill="hold" nodeType="clickEffect">
+                                  <p:stCondLst>
+                                    <p:cond delay="0"/>
+                                  </p:stCondLst>
+                                  <p:childTnLst>
+                                    <p:set>
+                                      <p:cBhvr>
+                                        <p:cTn id="22" dur="1" fill="hold">
+                                          <p:stCondLst>
+                                            <p:cond delay="0"/>
+                                          </p:stCondLst>
+                                        </p:cTn>
+                                        <p:tgtEl>
+                                          <p:spTgt spid="6">
+                                            <p:txEl>
+                                              <p:pRg st="5" end="5"/>
+                                            </p:txEl>
+                                          </p:spTgt>
+                                        </p:tgtEl>
+                                        <p:attrNameLst>
+                                          <p:attrName>style.visibility</p:attrName>
+                                        </p:attrNameLst>
+                                      </p:cBhvr>
+                                      <p:to>
+                                        <p:strVal val="visible"/>
+                                      </p:to>
+                                    </p:set>
+                                  </p:childTnLst>
+                                </p:cTn>
+                              </p:par>
+                            </p:childTnLst>
+                          </p:cTn>
+                        </p:par>
+                      </p:childTnLst>
+                    </p:cTn>
+                  </p:par>
+                  <p:par>
+                    <p:cTn id="23" fill="hold">
+                      <p:stCondLst>
+                        <p:cond delay="indefinite"/>
+                      </p:stCondLst>
+                      <p:childTnLst>
+                        <p:par>
+                          <p:cTn id="24" fill="hold">
+                            <p:stCondLst>
+                              <p:cond delay="0"/>
+                            </p:stCondLst>
+                            <p:childTnLst>
+                              <p:par>
+                                <p:cTn id="25" presetID="1" presetClass="entr" presetSubtype="0" fill="hold" nodeType="clickEffect">
+                                  <p:stCondLst>
+                                    <p:cond delay="0"/>
+                                  </p:stCondLst>
+                                  <p:childTnLst>
+                                    <p:set>
+                                      <p:cBhvr>
+                                        <p:cTn id="26" dur="1" fill="hold">
+                                          <p:stCondLst>
+                                            <p:cond delay="0"/>
+                                          </p:stCondLst>
+                                        </p:cTn>
+                                        <p:tgtEl>
+                                          <p:spTgt spid="6">
+                                            <p:txEl>
+                                              <p:pRg st="6" end="6"/>
+                                            </p:txEl>
+                                          </p:spTgt>
+                                        </p:tgtEl>
+                                        <p:attrNameLst>
+                                          <p:attrName>style.visibility</p:attrName>
+                                        </p:attrNameLst>
+                                      </p:cBhvr>
+                                      <p:to>
+                                        <p:strVal val="visible"/>
+                                      </p:to>
+                                    </p:set>
+                                  </p:childTnLst>
+                                </p:cTn>
+                              </p:par>
+                            </p:childTnLst>
+                          </p:cTn>
+                        </p:par>
+                      </p:childTnLst>
+                    </p:cTn>
+                  </p:par>
+                  <p:par>
+                    <p:cTn id="27" fill="hold">
+                      <p:stCondLst>
+                        <p:cond delay="indefinite"/>
+                      </p:stCondLst>
+                      <p:childTnLst>
+                        <p:par>
+                          <p:cTn id="28" fill="hold">
+                            <p:stCondLst>
+                              <p:cond delay="0"/>
+                            </p:stCondLst>
+                            <p:childTnLst>
+                              <p:par>
+                                <p:cTn id="29" presetID="1" presetClass="entr" presetSubtype="0" fill="hold" nodeType="clickEffect">
+                                  <p:stCondLst>
+                                    <p:cond delay="0"/>
+                                  </p:stCondLst>
+                                  <p:childTnLst>
+                                    <p:set>
+                                      <p:cBhvr>
+                                        <p:cTn id="30" dur="1" fill="hold">
+                                          <p:stCondLst>
+                                            <p:cond delay="0"/>
+                                          </p:stCondLst>
+                                        </p:cTn>
+                                        <p:tgtEl>
+                                          <p:spTgt spid="6">
+                                            <p:txEl>
+                                              <p:pRg st="7" end="7"/>
+                                            </p:txEl>
+                                          </p:spTgt>
+                                        </p:tgtEl>
+                                        <p:attrNameLst>
+                                          <p:attrName>style.visibility</p:attrName>
+                                        </p:attrNameLst>
+                                      </p:cBhvr>
+                                      <p:to>
+                                        <p:strVal val="visible"/>
+                                      </p:to>
+                                    </p:set>
+                                  </p:childTnLst>
+                                </p:cTn>
+                              </p:par>
+                            </p:childTnLst>
+                          </p:cTn>
+                        </p:par>
+                      </p:childTnLst>
+                    </p:cTn>
+                  </p:par>
+                  <p:par>
+                    <p:cTn id="31" fill="hold">
+                      <p:stCondLst>
+                        <p:cond delay="indefinite"/>
+                      </p:stCondLst>
+                      <p:childTnLst>
+                        <p:par>
+                          <p:cTn id="32" fill="hold">
+                            <p:stCondLst>
+                              <p:cond delay="0"/>
+                            </p:stCondLst>
+                            <p:childTnLst>
+                              <p:par>
+                                <p:cTn id="33" presetID="1" presetClass="entr" presetSubtype="0" fill="hold" nodeType="clickEffect">
+                                  <p:stCondLst>
+                                    <p:cond delay="0"/>
+                                  </p:stCondLst>
+                                  <p:childTnLst>
+                                    <p:set>
+                                      <p:cBhvr>
+                                        <p:cTn id="34" dur="1" fill="hold">
+                                          <p:stCondLst>
+                                            <p:cond delay="0"/>
+                                          </p:stCondLst>
+                                        </p:cTn>
+                                        <p:tgtEl>
+                                          <p:spTgt spid="6">
+                                            <p:txEl>
+                                              <p:pRg st="8" end="8"/>
+                                            </p:txEl>
+                                          </p:spTgt>
+                                        </p:tgtEl>
+                                        <p:attrNameLst>
+                                          <p:attrName>style.visibility</p:attrName>
+                                        </p:attrNameLst>
+                                      </p:cBhvr>
+                                      <p:to>
+                                        <p:strVal val="visible"/>
+                                      </p:to>
+                                    </p:set>
+                                  </p:childTnLst>
+                                </p:cTn>
+                              </p:par>
+                            </p:childTnLst>
+                          </p:cTn>
+                        </p:par>
+                      </p:childTnLst>
+                    </p:cTn>
+                  </p:par>
+                  <p:par>
+                    <p:cTn id="35" fill="hold">
+                      <p:stCondLst>
+                        <p:cond delay="indefinite"/>
+                      </p:stCondLst>
+                      <p:childTnLst>
+                        <p:par>
+                          <p:cTn id="36" fill="hold">
+                            <p:stCondLst>
+                              <p:cond delay="0"/>
+                            </p:stCondLst>
+                            <p:childTnLst>
+                              <p:par>
+                                <p:cTn id="37" presetID="1" presetClass="entr" presetSubtype="0" fill="hold" nodeType="clickEffect">
+                                  <p:stCondLst>
+                                    <p:cond delay="0"/>
+                                  </p:stCondLst>
+                                  <p:childTnLst>
+                                    <p:set>
+                                      <p:cBhvr>
+                                        <p:cTn id="38" dur="1" fill="hold">
+                                          <p:stCondLst>
+                                            <p:cond delay="0"/>
+                                          </p:stCondLst>
+                                        </p:cTn>
+                                        <p:tgtEl>
+                                          <p:spTgt spid="7">
+                                            <p:txEl>
+                                              <p:pRg st="0" end="0"/>
+                                            </p:txEl>
+                                          </p:spTgt>
+                                        </p:tgtEl>
+                                        <p:attrNameLst>
+                                          <p:attrName>style.visibility</p:attrName>
+                                        </p:attrNameLst>
+                                      </p:cBhvr>
+                                      <p:to>
+                                        <p:strVal val="visible"/>
+                                      </p:to>
+                                    </p:set>
+                                  </p:childTnLst>
+                                </p:cTn>
+                              </p:par>
+                            </p:childTnLst>
+                          </p:cTn>
+                        </p:par>
+                      </p:childTnLst>
+                    </p:cTn>
+                  </p:par>
+                  <p:par>
+                    <p:cTn id="39" fill="hold">
+                      <p:stCondLst>
+                        <p:cond delay="indefinite"/>
+                      </p:stCondLst>
+                      <p:childTnLst>
+                        <p:par>
+                          <p:cTn id="40" fill="hold">
+                            <p:stCondLst>
+                              <p:cond delay="0"/>
+                            </p:stCondLst>
+                            <p:childTnLst>
+                              <p:par>
+                                <p:cTn id="41" presetID="1" presetClass="entr" presetSubtype="0" fill="hold" nodeType="clickEffect">
+                                  <p:stCondLst>
+                                    <p:cond delay="0"/>
+                                  </p:stCondLst>
+                                  <p:childTnLst>
+                                    <p:set>
+                                      <p:cBhvr>
+                                        <p:cTn id="42" dur="1" fill="hold">
+                                          <p:stCondLst>
+                                            <p:cond delay="0"/>
+                                          </p:stCondLst>
+                                        </p:cTn>
+                                        <p:tgtEl>
+                                          <p:spTgt spid="7">
+                                            <p:txEl>
+                                              <p:pRg st="2" end="2"/>
+                                            </p:txEl>
+                                          </p:spTgt>
+                                        </p:tgtEl>
+                                        <p:attrNameLst>
+                                          <p:attrName>style.visibility</p:attrName>
+                                        </p:attrNameLst>
+                                      </p:cBhvr>
+                                      <p:to>
+                                        <p:strVal val="visible"/>
+                                      </p:to>
+                                    </p:set>
+                                  </p:childTnLst>
+                                </p:cTn>
+                              </p:par>
+                            </p:childTnLst>
+                          </p:cTn>
+                        </p:par>
+                      </p:childTnLst>
+                    </p:cTn>
+                  </p:par>
+                  <p:par>
+                    <p:cTn id="43" fill="hold">
+                      <p:stCondLst>
+                        <p:cond delay="indefinite"/>
+                      </p:stCondLst>
+                      <p:childTnLst>
+                        <p:par>
+                          <p:cTn id="44" fill="hold">
+                            <p:stCondLst>
+                              <p:cond delay="0"/>
+                            </p:stCondLst>
+                            <p:childTnLst>
+                              <p:par>
+                                <p:cTn id="45" presetID="1" presetClass="entr" presetSubtype="0" fill="hold" nodeType="clickEffect">
+                                  <p:stCondLst>
+                                    <p:cond delay="0"/>
+                                  </p:stCondLst>
+                                  <p:childTnLst>
+                                    <p:set>
+                                      <p:cBhvr>
+                                        <p:cTn id="46" dur="1" fill="hold">
+                                          <p:stCondLst>
+                                            <p:cond delay="0"/>
+                                          </p:stCondLst>
+                                        </p:cTn>
+                                        <p:tgtEl>
+                                          <p:spTgt spid="7">
+                                            <p:txEl>
+                                              <p:pRg st="3" end="3"/>
+                                            </p:txEl>
+                                          </p:spTgt>
+                                        </p:tgtEl>
+                                        <p:attrNameLst>
+                                          <p:attrName>style.visibility</p:attrName>
+                                        </p:attrNameLst>
+                                      </p:cBhvr>
+                                      <p:to>
+                                        <p:strVal val="visible"/>
+                                      </p:to>
+                                    </p:set>
+                                  </p:childTnLst>
+                                </p:cTn>
+                              </p:par>
+                            </p:childTnLst>
+                          </p:cTn>
+                        </p:par>
+                      </p:childTnLst>
+                    </p:cTn>
+                  </p:par>
+                  <p:par>
+                    <p:cTn id="47" fill="hold">
+                      <p:stCondLst>
+                        <p:cond delay="indefinite"/>
+                      </p:stCondLst>
+                      <p:childTnLst>
+                        <p:par>
+                          <p:cTn id="48" fill="hold">
+                            <p:stCondLst>
+                              <p:cond delay="0"/>
+                            </p:stCondLst>
+                            <p:childTnLst>
+                              <p:par>
+                                <p:cTn id="49" presetID="1" presetClass="entr" presetSubtype="0" fill="hold" nodeType="clickEffect">
+                                  <p:stCondLst>
+                                    <p:cond delay="0"/>
+                                  </p:stCondLst>
+                                  <p:childTnLst>
+                                    <p:set>
+                                      <p:cBhvr>
+                                        <p:cTn id="50" dur="1" fill="hold">
+                                          <p:stCondLst>
+                                            <p:cond delay="0"/>
+                                          </p:stCondLst>
+                                        </p:cTn>
+                                        <p:tgtEl>
+                                          <p:spTgt spid="7">
+                                            <p:txEl>
+                                              <p:pRg st="4" end="4"/>
+                                            </p:txEl>
+                                          </p:spTgt>
+                                        </p:tgtEl>
+                                        <p:attrNameLst>
+                                          <p:attrName>style.visibility</p:attrName>
+                                        </p:attrNameLst>
+                                      </p:cBhvr>
+                                      <p:to>
+                                        <p:strVal val="visible"/>
+                                      </p:to>
+                                    </p:set>
+                                  </p:childTnLst>
+                                </p:cTn>
+                              </p:par>
+                            </p:childTnLst>
+                          </p:cTn>
+                        </p:par>
+                      </p:childTnLst>
+                    </p:cTn>
+                  </p:par>
+                </p:childTnLst>
+              </p:cTn>
+              <p:prevCondLst>
+                <p:cond evt="onPrev" delay="0">
+                  <p:tgtEl>
+                    <p:sldTgt/>
+                  </p:tgtEl>
+                </p:cond>
+              </p:prevCondLst>
+              <p:nextCondLst>
+                <p:cond evt="onNext" delay="0">
+                  <p:tgtEl>
+                    <p:sldTgt/>
+                  </p:tgtEl>
+                </p:cond>
+              </p:nextCondLst>
+            </p:seq>
+          </p:childTnLst>
+        </p:cTn>
+      </p:par>
+    </p:tnLst>
+  </p:timing>
 </p:sld>
 </file>
 
-<file path=ppt/slides/slide11.xml><?xml version="1.0" encoding="utf-8"?>
+<file path=ppt/slides/slide12.xml><?xml version="1.0" encoding="utf-8"?>
 <p:sld xmlns:a="http://schemas.openxmlformats.org/drawingml/2006/main" xmlns:r="http://schemas.openxmlformats.org/officeDocument/2006/relationships" xmlns:p="http://schemas.openxmlformats.org/presentationml/2006/main">
   <p:cSld>
     <p:spTree>
@@ -7096,7 +8370,7 @@
           <a:p>
             <a:fld id="{1792AA13-FEB2-40EC-A594-EDCBCC748FA7}" type="datetime1">
               <a:rPr lang="vi-VN" smtClean="0"/>
-              <a:t>30/12/2021</a:t>
+              <a:t>06/01/2022</a:t>
             </a:fld>
             <a:endParaRPr lang="en-US" dirty="0"/>
           </a:p>
@@ -7138,6 +8412,56 @@
           </a:prstGeom>
         </p:spPr>
       </p:pic>
+      <p:sp>
+        <p:nvSpPr>
+          <p:cNvPr id="6" name="Hình chữ nhật 5">
+            <a:extLst>
+              <a:ext uri="{FF2B5EF4-FFF2-40B4-BE49-F238E27FC236}">
+                <a16:creationId xmlns:a16="http://schemas.microsoft.com/office/drawing/2014/main" id="{09FB906E-5096-4502-8C35-9668C110C29F}"/>
+              </a:ext>
+            </a:extLst>
+          </p:cNvPr>
+          <p:cNvSpPr/>
+          <p:nvPr/>
+        </p:nvSpPr>
+        <p:spPr>
+          <a:xfrm>
+            <a:off x="6497782" y="1930400"/>
+            <a:ext cx="911939" cy="4476087"/>
+          </a:xfrm>
+          <a:prstGeom prst="rect">
+            <a:avLst/>
+          </a:prstGeom>
+          <a:noFill/>
+          <a:ln w="38100">
+            <a:solidFill>
+              <a:srgbClr val="C00000"/>
+            </a:solidFill>
+          </a:ln>
+        </p:spPr>
+        <p:style>
+          <a:lnRef idx="2">
+            <a:schemeClr val="accent6"/>
+          </a:lnRef>
+          <a:fillRef idx="1">
+            <a:schemeClr val="lt1"/>
+          </a:fillRef>
+          <a:effectRef idx="0">
+            <a:schemeClr val="accent6"/>
+          </a:effectRef>
+          <a:fontRef idx="minor">
+            <a:schemeClr val="dk1"/>
+          </a:fontRef>
+        </p:style>
+        <p:txBody>
+          <a:bodyPr rtlCol="0" anchor="ctr"/>
+          <a:lstStyle/>
+          <a:p>
+            <a:pPr algn="ctr"/>
+            <a:endParaRPr lang="vi-VN"/>
+          </a:p>
+        </p:txBody>
+      </p:sp>
     </p:spTree>
     <p:extLst>
       <p:ext uri="{BB962C8B-B14F-4D97-AF65-F5344CB8AC3E}">
@@ -7148,10 +8472,509 @@
   <p:clrMapOvr>
     <a:masterClrMapping/>
   </p:clrMapOvr>
+  <p:timing>
+    <p:tnLst>
+      <p:par>
+        <p:cTn id="1" dur="indefinite" restart="never" nodeType="tmRoot">
+          <p:childTnLst>
+            <p:seq concurrent="1" nextAc="seek">
+              <p:cTn id="2" dur="indefinite" nodeType="mainSeq">
+                <p:childTnLst>
+                  <p:par>
+                    <p:cTn id="3" fill="hold">
+                      <p:stCondLst>
+                        <p:cond delay="indefinite"/>
+                      </p:stCondLst>
+                      <p:childTnLst>
+                        <p:par>
+                          <p:cTn id="4" fill="hold">
+                            <p:stCondLst>
+                              <p:cond delay="0"/>
+                            </p:stCondLst>
+                            <p:childTnLst>
+                              <p:par>
+                                <p:cTn id="5" presetID="1" presetClass="entr" presetSubtype="0" fill="hold" grpId="0" nodeType="clickEffect">
+                                  <p:stCondLst>
+                                    <p:cond delay="0"/>
+                                  </p:stCondLst>
+                                  <p:childTnLst>
+                                    <p:set>
+                                      <p:cBhvr>
+                                        <p:cTn id="6" dur="1" fill="hold">
+                                          <p:stCondLst>
+                                            <p:cond delay="0"/>
+                                          </p:stCondLst>
+                                        </p:cTn>
+                                        <p:tgtEl>
+                                          <p:spTgt spid="6"/>
+                                        </p:tgtEl>
+                                        <p:attrNameLst>
+                                          <p:attrName>style.visibility</p:attrName>
+                                        </p:attrNameLst>
+                                      </p:cBhvr>
+                                      <p:to>
+                                        <p:strVal val="visible"/>
+                                      </p:to>
+                                    </p:set>
+                                  </p:childTnLst>
+                                </p:cTn>
+                              </p:par>
+                            </p:childTnLst>
+                          </p:cTn>
+                        </p:par>
+                      </p:childTnLst>
+                    </p:cTn>
+                  </p:par>
+                </p:childTnLst>
+              </p:cTn>
+              <p:prevCondLst>
+                <p:cond evt="onPrev" delay="0">
+                  <p:tgtEl>
+                    <p:sldTgt/>
+                  </p:tgtEl>
+                </p:cond>
+              </p:prevCondLst>
+              <p:nextCondLst>
+                <p:cond evt="onNext" delay="0">
+                  <p:tgtEl>
+                    <p:sldTgt/>
+                  </p:tgtEl>
+                </p:cond>
+              </p:nextCondLst>
+            </p:seq>
+          </p:childTnLst>
+        </p:cTn>
+      </p:par>
+    </p:tnLst>
+    <p:bldLst>
+      <p:bldP spid="6" grpId="0" animBg="1"/>
+    </p:bldLst>
+  </p:timing>
 </p:sld>
 </file>
 
-<file path=ppt/slides/slide12.xml><?xml version="1.0" encoding="utf-8"?>
+<file path=ppt/slides/slide13.xml><?xml version="1.0" encoding="utf-8"?>
+<p:sld xmlns:a="http://schemas.openxmlformats.org/drawingml/2006/main" xmlns:r="http://schemas.openxmlformats.org/officeDocument/2006/relationships" xmlns:p="http://schemas.openxmlformats.org/presentationml/2006/main">
+  <p:cSld>
+    <p:spTree>
+      <p:nvGrpSpPr>
+        <p:cNvPr id="1" name=""/>
+        <p:cNvGrpSpPr/>
+        <p:nvPr/>
+      </p:nvGrpSpPr>
+      <p:grpSpPr>
+        <a:xfrm>
+          <a:off x="0" y="0"/>
+          <a:ext cx="0" cy="0"/>
+          <a:chOff x="0" y="0"/>
+          <a:chExt cx="0" cy="0"/>
+        </a:xfrm>
+      </p:grpSpPr>
+      <p:sp>
+        <p:nvSpPr>
+          <p:cNvPr id="2" name="Tiêu đề 1">
+            <a:extLst>
+              <a:ext uri="{FF2B5EF4-FFF2-40B4-BE49-F238E27FC236}">
+                <a16:creationId xmlns:a16="http://schemas.microsoft.com/office/drawing/2014/main" id="{19334911-8BDA-4026-AE81-39249513633B}"/>
+              </a:ext>
+            </a:extLst>
+          </p:cNvPr>
+          <p:cNvSpPr>
+            <a:spLocks noGrp="1"/>
+          </p:cNvSpPr>
+          <p:nvPr>
+            <p:ph type="title"/>
+          </p:nvPr>
+        </p:nvSpPr>
+        <p:spPr/>
+        <p:txBody>
+          <a:bodyPr/>
+          <a:lstStyle/>
+          <a:p>
+            <a:r>
+              <a:rPr lang="en-US" sz="3600" dirty="0">
+                <a:solidFill>
+                  <a:schemeClr val="tx1">
+                    <a:lumMod val="85000"/>
+                    <a:lumOff val="15000"/>
+                  </a:schemeClr>
+                </a:solidFill>
+              </a:rPr>
+              <a:t>SVD Optimization</a:t>
+            </a:r>
+            <a:endParaRPr lang="vi-VN" dirty="0"/>
+          </a:p>
+        </p:txBody>
+      </p:sp>
+      <p:pic>
+        <p:nvPicPr>
+          <p:cNvPr id="9" name="Hình ảnh 8">
+            <a:extLst>
+              <a:ext uri="{FF2B5EF4-FFF2-40B4-BE49-F238E27FC236}">
+                <a16:creationId xmlns:a16="http://schemas.microsoft.com/office/drawing/2014/main" id="{4B4D7BD8-B391-4596-BD55-D678CBA96068}"/>
+              </a:ext>
+            </a:extLst>
+          </p:cNvPr>
+          <p:cNvPicPr>
+            <a:picLocks noChangeAspect="1"/>
+          </p:cNvPicPr>
+          <p:nvPr/>
+        </p:nvPicPr>
+        <p:blipFill>
+          <a:blip r:embed="rId2"/>
+          <a:stretch>
+            <a:fillRect/>
+          </a:stretch>
+        </p:blipFill>
+        <p:spPr>
+          <a:xfrm>
+            <a:off x="281780" y="3280515"/>
+            <a:ext cx="5093794" cy="1984211"/>
+          </a:xfrm>
+          <a:prstGeom prst="rect">
+            <a:avLst/>
+          </a:prstGeom>
+        </p:spPr>
+      </p:pic>
+      <p:pic>
+        <p:nvPicPr>
+          <p:cNvPr id="11" name="Hình ảnh 10">
+            <a:extLst>
+              <a:ext uri="{FF2B5EF4-FFF2-40B4-BE49-F238E27FC236}">
+                <a16:creationId xmlns:a16="http://schemas.microsoft.com/office/drawing/2014/main" id="{52046F25-2358-4982-8B3C-E4C432564696}"/>
+              </a:ext>
+            </a:extLst>
+          </p:cNvPr>
+          <p:cNvPicPr>
+            <a:picLocks noChangeAspect="1"/>
+          </p:cNvPicPr>
+          <p:nvPr/>
+        </p:nvPicPr>
+        <p:blipFill>
+          <a:blip r:embed="rId3"/>
+          <a:stretch>
+            <a:fillRect/>
+          </a:stretch>
+        </p:blipFill>
+        <p:spPr>
+          <a:xfrm>
+            <a:off x="6075790" y="1350489"/>
+            <a:ext cx="5438876" cy="4897911"/>
+          </a:xfrm>
+          <a:prstGeom prst="rect">
+            <a:avLst/>
+          </a:prstGeom>
+        </p:spPr>
+      </p:pic>
+      <p:sp>
+        <p:nvSpPr>
+          <p:cNvPr id="13" name="Hộp Văn bản 12">
+            <a:extLst>
+              <a:ext uri="{FF2B5EF4-FFF2-40B4-BE49-F238E27FC236}">
+                <a16:creationId xmlns:a16="http://schemas.microsoft.com/office/drawing/2014/main" id="{4AB86D33-C213-486A-B73C-2FF677D332A2}"/>
+              </a:ext>
+            </a:extLst>
+          </p:cNvPr>
+          <p:cNvSpPr txBox="1"/>
+          <p:nvPr/>
+        </p:nvSpPr>
+        <p:spPr>
+          <a:xfrm>
+            <a:off x="281780" y="1930400"/>
+            <a:ext cx="6105378" cy="923330"/>
+          </a:xfrm>
+          <a:prstGeom prst="rect">
+            <a:avLst/>
+          </a:prstGeom>
+          <a:noFill/>
+        </p:spPr>
+        <p:txBody>
+          <a:bodyPr wrap="square">
+            <a:spAutoFit/>
+          </a:bodyPr>
+          <a:lstStyle/>
+          <a:p>
+            <a:pPr marL="285750" indent="-285750">
+              <a:buFont typeface="Arial" panose="020B0604020202020204" pitchFamily="34" charset="0"/>
+              <a:buChar char="•"/>
+            </a:pPr>
+            <a:r>
+              <a:rPr lang="en" sz="1800" dirty="0">
+                <a:solidFill>
+                  <a:srgbClr val="000000"/>
+                </a:solidFill>
+                <a:latin typeface="Georgia" panose="02040502050405020303" pitchFamily="18" charset="0"/>
+              </a:rPr>
+              <a:t>Grid Search Cross Validation</a:t>
+            </a:r>
+          </a:p>
+          <a:p>
+            <a:pPr marL="285750" indent="-285750">
+              <a:buFont typeface="Arial" panose="020B0604020202020204" pitchFamily="34" charset="0"/>
+              <a:buChar char="•"/>
+            </a:pPr>
+            <a:endParaRPr lang="en" sz="1800" dirty="0">
+              <a:solidFill>
+                <a:srgbClr val="000000"/>
+              </a:solidFill>
+              <a:latin typeface="Georgia" panose="02040502050405020303" pitchFamily="18" charset="0"/>
+            </a:endParaRPr>
+          </a:p>
+          <a:p>
+            <a:pPr marL="285750" indent="-285750">
+              <a:buFont typeface="Arial" panose="020B0604020202020204" pitchFamily="34" charset="0"/>
+              <a:buChar char="•"/>
+            </a:pPr>
+            <a:r>
+              <a:rPr lang="en-US" sz="1800" dirty="0">
+                <a:effectLst/>
+                <a:latin typeface="Georgia" panose="02040502050405020303" pitchFamily="18" charset="0"/>
+                <a:ea typeface="Calibri" panose="020F0502020204030204" pitchFamily="34" charset="0"/>
+                <a:cs typeface="Arial" panose="020B0604020202020204" pitchFamily="34" charset="0"/>
+              </a:rPr>
+              <a:t>Precision as the primary metric</a:t>
+            </a:r>
+            <a:endParaRPr lang="en" sz="1800" dirty="0">
+              <a:solidFill>
+                <a:srgbClr val="000000"/>
+              </a:solidFill>
+              <a:latin typeface="Georgia" panose="02040502050405020303" pitchFamily="18" charset="0"/>
+            </a:endParaRPr>
+          </a:p>
+        </p:txBody>
+      </p:sp>
+    </p:spTree>
+    <p:extLst>
+      <p:ext uri="{BB962C8B-B14F-4D97-AF65-F5344CB8AC3E}">
+        <p14:creationId xmlns:p14="http://schemas.microsoft.com/office/powerpoint/2010/main" val="207532004"/>
+      </p:ext>
+    </p:extLst>
+  </p:cSld>
+  <p:clrMapOvr>
+    <a:masterClrMapping/>
+  </p:clrMapOvr>
+  <p:timing>
+    <p:tnLst>
+      <p:par>
+        <p:cTn id="1" dur="indefinite" restart="never" nodeType="tmRoot">
+          <p:childTnLst>
+            <p:seq concurrent="1" nextAc="seek">
+              <p:cTn id="2" dur="indefinite" nodeType="mainSeq">
+                <p:childTnLst>
+                  <p:par>
+                    <p:cTn id="3" fill="hold">
+                      <p:stCondLst>
+                        <p:cond delay="indefinite"/>
+                      </p:stCondLst>
+                      <p:childTnLst>
+                        <p:par>
+                          <p:cTn id="4" fill="hold">
+                            <p:stCondLst>
+                              <p:cond delay="0"/>
+                            </p:stCondLst>
+                            <p:childTnLst>
+                              <p:par>
+                                <p:cTn id="5" presetID="1" presetClass="entr" presetSubtype="0" fill="hold" nodeType="clickEffect">
+                                  <p:stCondLst>
+                                    <p:cond delay="0"/>
+                                  </p:stCondLst>
+                                  <p:childTnLst>
+                                    <p:set>
+                                      <p:cBhvr>
+                                        <p:cTn id="6" dur="1" fill="hold">
+                                          <p:stCondLst>
+                                            <p:cond delay="0"/>
+                                          </p:stCondLst>
+                                        </p:cTn>
+                                        <p:tgtEl>
+                                          <p:spTgt spid="13">
+                                            <p:txEl>
+                                              <p:pRg st="0" end="0"/>
+                                            </p:txEl>
+                                          </p:spTgt>
+                                        </p:tgtEl>
+                                        <p:attrNameLst>
+                                          <p:attrName>style.visibility</p:attrName>
+                                        </p:attrNameLst>
+                                      </p:cBhvr>
+                                      <p:to>
+                                        <p:strVal val="visible"/>
+                                      </p:to>
+                                    </p:set>
+                                  </p:childTnLst>
+                                </p:cTn>
+                              </p:par>
+                            </p:childTnLst>
+                          </p:cTn>
+                        </p:par>
+                      </p:childTnLst>
+                    </p:cTn>
+                  </p:par>
+                  <p:par>
+                    <p:cTn id="7" fill="hold">
+                      <p:stCondLst>
+                        <p:cond delay="indefinite"/>
+                      </p:stCondLst>
+                      <p:childTnLst>
+                        <p:par>
+                          <p:cTn id="8" fill="hold">
+                            <p:stCondLst>
+                              <p:cond delay="0"/>
+                            </p:stCondLst>
+                            <p:childTnLst>
+                              <p:par>
+                                <p:cTn id="9" presetID="1" presetClass="entr" presetSubtype="0" fill="hold" nodeType="clickEffect">
+                                  <p:stCondLst>
+                                    <p:cond delay="0"/>
+                                  </p:stCondLst>
+                                  <p:childTnLst>
+                                    <p:set>
+                                      <p:cBhvr>
+                                        <p:cTn id="10" dur="1" fill="hold">
+                                          <p:stCondLst>
+                                            <p:cond delay="0"/>
+                                          </p:stCondLst>
+                                        </p:cTn>
+                                        <p:tgtEl>
+                                          <p:spTgt spid="13">
+                                            <p:txEl>
+                                              <p:pRg st="2" end="2"/>
+                                            </p:txEl>
+                                          </p:spTgt>
+                                        </p:tgtEl>
+                                        <p:attrNameLst>
+                                          <p:attrName>style.visibility</p:attrName>
+                                        </p:attrNameLst>
+                                      </p:cBhvr>
+                                      <p:to>
+                                        <p:strVal val="visible"/>
+                                      </p:to>
+                                    </p:set>
+                                  </p:childTnLst>
+                                </p:cTn>
+                              </p:par>
+                            </p:childTnLst>
+                          </p:cTn>
+                        </p:par>
+                      </p:childTnLst>
+                    </p:cTn>
+                  </p:par>
+                  <p:par>
+                    <p:cTn id="11" fill="hold">
+                      <p:stCondLst>
+                        <p:cond delay="indefinite"/>
+                      </p:stCondLst>
+                      <p:childTnLst>
+                        <p:par>
+                          <p:cTn id="12" fill="hold">
+                            <p:stCondLst>
+                              <p:cond delay="0"/>
+                            </p:stCondLst>
+                            <p:childTnLst>
+                              <p:par>
+                                <p:cTn id="13" presetID="1" presetClass="entr" presetSubtype="0" fill="hold" nodeType="clickEffect">
+                                  <p:stCondLst>
+                                    <p:cond delay="0"/>
+                                  </p:stCondLst>
+                                  <p:childTnLst>
+                                    <p:set>
+                                      <p:cBhvr>
+                                        <p:cTn id="14" dur="1" fill="hold">
+                                          <p:stCondLst>
+                                            <p:cond delay="0"/>
+                                          </p:stCondLst>
+                                        </p:cTn>
+                                        <p:tgtEl>
+                                          <p:spTgt spid="9"/>
+                                        </p:tgtEl>
+                                        <p:attrNameLst>
+                                          <p:attrName>style.visibility</p:attrName>
+                                        </p:attrNameLst>
+                                      </p:cBhvr>
+                                      <p:to>
+                                        <p:strVal val="visible"/>
+                                      </p:to>
+                                    </p:set>
+                                  </p:childTnLst>
+                                </p:cTn>
+                              </p:par>
+                            </p:childTnLst>
+                          </p:cTn>
+                        </p:par>
+                      </p:childTnLst>
+                    </p:cTn>
+                  </p:par>
+                  <p:par>
+                    <p:cTn id="15" fill="hold">
+                      <p:stCondLst>
+                        <p:cond delay="indefinite"/>
+                      </p:stCondLst>
+                      <p:childTnLst>
+                        <p:par>
+                          <p:cTn id="16" fill="hold">
+                            <p:stCondLst>
+                              <p:cond delay="0"/>
+                            </p:stCondLst>
+                            <p:childTnLst>
+                              <p:par>
+                                <p:cTn id="17" presetID="1" presetClass="entr" presetSubtype="0" fill="hold" nodeType="clickEffect">
+                                  <p:stCondLst>
+                                    <p:cond delay="0"/>
+                                  </p:stCondLst>
+                                  <p:childTnLst>
+                                    <p:set>
+                                      <p:cBhvr>
+                                        <p:cTn id="18" dur="1" fill="hold">
+                                          <p:stCondLst>
+                                            <p:cond delay="0"/>
+                                          </p:stCondLst>
+                                        </p:cTn>
+                                        <p:tgtEl>
+                                          <p:spTgt spid="11"/>
+                                        </p:tgtEl>
+                                        <p:attrNameLst>
+                                          <p:attrName>style.visibility</p:attrName>
+                                        </p:attrNameLst>
+                                      </p:cBhvr>
+                                      <p:to>
+                                        <p:strVal val="visible"/>
+                                      </p:to>
+                                    </p:set>
+                                  </p:childTnLst>
+                                </p:cTn>
+                              </p:par>
+                            </p:childTnLst>
+                          </p:cTn>
+                        </p:par>
+                      </p:childTnLst>
+                    </p:cTn>
+                  </p:par>
+                </p:childTnLst>
+              </p:cTn>
+              <p:prevCondLst>
+                <p:cond evt="onPrev" delay="0">
+                  <p:tgtEl>
+                    <p:sldTgt/>
+                  </p:tgtEl>
+                </p:cond>
+              </p:prevCondLst>
+              <p:nextCondLst>
+                <p:cond evt="onNext" delay="0">
+                  <p:tgtEl>
+                    <p:sldTgt/>
+                  </p:tgtEl>
+                </p:cond>
+              </p:nextCondLst>
+            </p:seq>
+          </p:childTnLst>
+        </p:cTn>
+      </p:par>
+    </p:tnLst>
+  </p:timing>
+</p:sld>
+</file>
+
+<file path=ppt/slides/slide14.xml><?xml version="1.0" encoding="utf-8"?>
 <p:sld xmlns:a="http://schemas.openxmlformats.org/drawingml/2006/main" xmlns:r="http://schemas.openxmlformats.org/officeDocument/2006/relationships" xmlns:p="http://schemas.openxmlformats.org/presentationml/2006/main">
   <p:cSld>
     <p:spTree>
@@ -7198,7 +9021,7 @@
                   </a:schemeClr>
                 </a:solidFill>
               </a:rPr>
-              <a:t>Conclusion and Future Direction</a:t>
+              <a:t>Conclusion</a:t>
             </a:r>
             <a:endParaRPr lang="vi-VN" dirty="0"/>
           </a:p>
@@ -7219,7 +9042,7 @@
         <p:spPr>
           <a:xfrm>
             <a:off x="677334" y="1758829"/>
-            <a:ext cx="9196755" cy="4456926"/>
+            <a:ext cx="9196755" cy="4457054"/>
           </a:xfrm>
           <a:prstGeom prst="rect">
             <a:avLst/>
@@ -7243,7 +9066,7 @@
               <a:rPr lang="en-US" sz="2400" dirty="0">
                 <a:latin typeface="Georgia" panose="02040502050405020303" pitchFamily="18" charset="0"/>
               </a:rPr>
-              <a:t>SVD is the best model in all three metrics: AUC, accuracy, and precision</a:t>
+              <a:t>Build A Book Recommendation System Using Collaborative Filtering Based On Users</a:t>
             </a:r>
           </a:p>
           <a:p>
@@ -7256,16 +9079,10 @@
             </a:pPr>
             <a:r>
               <a:rPr lang="en-US" sz="2400" dirty="0">
-                <a:effectLst/>
                 <a:latin typeface="Georgia" panose="02040502050405020303" pitchFamily="18" charset="0"/>
-                <a:ea typeface="Calibri" panose="020F0502020204030204" pitchFamily="34" charset="0"/>
-                <a:cs typeface="Arial" panose="020B0604020202020204" pitchFamily="34" charset="0"/>
               </a:rPr>
-              <a:t>The optimized SVD model gives an AUC of 0.74, an accuracy of 0.78, and a precision of 0.64</a:t>
-            </a:r>
-            <a:endParaRPr lang="en-US" sz="2400" dirty="0">
-              <a:latin typeface="Georgia" panose="02040502050405020303" pitchFamily="18" charset="0"/>
-            </a:endParaRPr>
+              <a:t>SVD is the best model in all three metrics: AUC, accuracy, and precision</a:t>
+            </a:r>
           </a:p>
           <a:p>
             <a:pPr marL="285750" indent="-285750">
@@ -7277,9 +9094,413 @@
             </a:pPr>
             <a:r>
               <a:rPr lang="en-US" sz="2400" dirty="0">
+                <a:effectLst/>
+                <a:latin typeface="Georgia" panose="02040502050405020303" pitchFamily="18" charset="0"/>
+                <a:ea typeface="Calibri" panose="020F0502020204030204" pitchFamily="34" charset="0"/>
+                <a:cs typeface="Arial" panose="020B0604020202020204" pitchFamily="34" charset="0"/>
+              </a:rPr>
+              <a:t>The optimized SVD model gives an AUC of 0.74, an accuracy of 0.78, and a </a:t>
+            </a:r>
+            <a:r>
+              <a:rPr lang="en-US" sz="2400" b="1" dirty="0">
+                <a:effectLst/>
+                <a:latin typeface="Georgia" panose="02040502050405020303" pitchFamily="18" charset="0"/>
+                <a:ea typeface="Calibri" panose="020F0502020204030204" pitchFamily="34" charset="0"/>
+                <a:cs typeface="Arial" panose="020B0604020202020204" pitchFamily="34" charset="0"/>
+              </a:rPr>
+              <a:t>precision of 0.64</a:t>
+            </a:r>
+          </a:p>
+          <a:p>
+            <a:pPr marL="285750" indent="-285750">
+              <a:lnSpc>
+                <a:spcPct val="150000"/>
+              </a:lnSpc>
+              <a:buFont typeface="Arial" panose="020B0604020202020204" pitchFamily="34" charset="0"/>
+              <a:buChar char="•"/>
+            </a:pPr>
+            <a:r>
+              <a:rPr lang="en-US" sz="2400" dirty="0">
+                <a:latin typeface="Georgia" panose="02040502050405020303" pitchFamily="18" charset="0"/>
+                <a:cs typeface="Arial" panose="020B0604020202020204" pitchFamily="34" charset="0"/>
+              </a:rPr>
+              <a:t>Compared to baseline model: an AUC of 0.5, an accuracy of 0.63, and a </a:t>
+            </a:r>
+            <a:r>
+              <a:rPr lang="en-US" sz="2400" b="1" dirty="0">
+                <a:latin typeface="Georgia" panose="02040502050405020303" pitchFamily="18" charset="0"/>
+                <a:cs typeface="Arial" panose="020B0604020202020204" pitchFamily="34" charset="0"/>
+              </a:rPr>
+              <a:t>precision of 0.25</a:t>
+            </a:r>
+            <a:endParaRPr lang="en-US" sz="2400" b="1" dirty="0">
+              <a:latin typeface="Georgia" panose="02040502050405020303" pitchFamily="18" charset="0"/>
+            </a:endParaRPr>
+          </a:p>
+        </p:txBody>
+      </p:sp>
+    </p:spTree>
+    <p:extLst>
+      <p:ext uri="{BB962C8B-B14F-4D97-AF65-F5344CB8AC3E}">
+        <p14:creationId xmlns:p14="http://schemas.microsoft.com/office/powerpoint/2010/main" val="1584767331"/>
+      </p:ext>
+    </p:extLst>
+  </p:cSld>
+  <p:clrMapOvr>
+    <a:masterClrMapping/>
+  </p:clrMapOvr>
+  <p:timing>
+    <p:tnLst>
+      <p:par>
+        <p:cTn id="1" dur="indefinite" restart="never" nodeType="tmRoot">
+          <p:childTnLst>
+            <p:seq concurrent="1" nextAc="seek">
+              <p:cTn id="2" dur="indefinite" nodeType="mainSeq">
+                <p:childTnLst>
+                  <p:par>
+                    <p:cTn id="3" fill="hold">
+                      <p:stCondLst>
+                        <p:cond delay="indefinite"/>
+                      </p:stCondLst>
+                      <p:childTnLst>
+                        <p:par>
+                          <p:cTn id="4" fill="hold">
+                            <p:stCondLst>
+                              <p:cond delay="0"/>
+                            </p:stCondLst>
+                            <p:childTnLst>
+                              <p:par>
+                                <p:cTn id="5" presetID="1" presetClass="entr" presetSubtype="0" fill="hold" nodeType="clickEffect">
+                                  <p:stCondLst>
+                                    <p:cond delay="0"/>
+                                  </p:stCondLst>
+                                  <p:childTnLst>
+                                    <p:set>
+                                      <p:cBhvr>
+                                        <p:cTn id="6" dur="1" fill="hold">
+                                          <p:stCondLst>
+                                            <p:cond delay="0"/>
+                                          </p:stCondLst>
+                                        </p:cTn>
+                                        <p:tgtEl>
+                                          <p:spTgt spid="5">
+                                            <p:txEl>
+                                              <p:pRg st="0" end="0"/>
+                                            </p:txEl>
+                                          </p:spTgt>
+                                        </p:tgtEl>
+                                        <p:attrNameLst>
+                                          <p:attrName>style.visibility</p:attrName>
+                                        </p:attrNameLst>
+                                      </p:cBhvr>
+                                      <p:to>
+                                        <p:strVal val="visible"/>
+                                      </p:to>
+                                    </p:set>
+                                  </p:childTnLst>
+                                </p:cTn>
+                              </p:par>
+                            </p:childTnLst>
+                          </p:cTn>
+                        </p:par>
+                      </p:childTnLst>
+                    </p:cTn>
+                  </p:par>
+                  <p:par>
+                    <p:cTn id="7" fill="hold">
+                      <p:stCondLst>
+                        <p:cond delay="indefinite"/>
+                      </p:stCondLst>
+                      <p:childTnLst>
+                        <p:par>
+                          <p:cTn id="8" fill="hold">
+                            <p:stCondLst>
+                              <p:cond delay="0"/>
+                            </p:stCondLst>
+                            <p:childTnLst>
+                              <p:par>
+                                <p:cTn id="9" presetID="1" presetClass="entr" presetSubtype="0" fill="hold" nodeType="clickEffect">
+                                  <p:stCondLst>
+                                    <p:cond delay="0"/>
+                                  </p:stCondLst>
+                                  <p:childTnLst>
+                                    <p:set>
+                                      <p:cBhvr>
+                                        <p:cTn id="10" dur="1" fill="hold">
+                                          <p:stCondLst>
+                                            <p:cond delay="0"/>
+                                          </p:stCondLst>
+                                        </p:cTn>
+                                        <p:tgtEl>
+                                          <p:spTgt spid="5">
+                                            <p:txEl>
+                                              <p:pRg st="1" end="1"/>
+                                            </p:txEl>
+                                          </p:spTgt>
+                                        </p:tgtEl>
+                                        <p:attrNameLst>
+                                          <p:attrName>style.visibility</p:attrName>
+                                        </p:attrNameLst>
+                                      </p:cBhvr>
+                                      <p:to>
+                                        <p:strVal val="visible"/>
+                                      </p:to>
+                                    </p:set>
+                                  </p:childTnLst>
+                                </p:cTn>
+                              </p:par>
+                            </p:childTnLst>
+                          </p:cTn>
+                        </p:par>
+                      </p:childTnLst>
+                    </p:cTn>
+                  </p:par>
+                  <p:par>
+                    <p:cTn id="11" fill="hold">
+                      <p:stCondLst>
+                        <p:cond delay="indefinite"/>
+                      </p:stCondLst>
+                      <p:childTnLst>
+                        <p:par>
+                          <p:cTn id="12" fill="hold">
+                            <p:stCondLst>
+                              <p:cond delay="0"/>
+                            </p:stCondLst>
+                            <p:childTnLst>
+                              <p:par>
+                                <p:cTn id="13" presetID="1" presetClass="entr" presetSubtype="0" fill="hold" nodeType="clickEffect">
+                                  <p:stCondLst>
+                                    <p:cond delay="0"/>
+                                  </p:stCondLst>
+                                  <p:childTnLst>
+                                    <p:set>
+                                      <p:cBhvr>
+                                        <p:cTn id="14" dur="1" fill="hold">
+                                          <p:stCondLst>
+                                            <p:cond delay="0"/>
+                                          </p:stCondLst>
+                                        </p:cTn>
+                                        <p:tgtEl>
+                                          <p:spTgt spid="5">
+                                            <p:txEl>
+                                              <p:pRg st="2" end="2"/>
+                                            </p:txEl>
+                                          </p:spTgt>
+                                        </p:tgtEl>
+                                        <p:attrNameLst>
+                                          <p:attrName>style.visibility</p:attrName>
+                                        </p:attrNameLst>
+                                      </p:cBhvr>
+                                      <p:to>
+                                        <p:strVal val="visible"/>
+                                      </p:to>
+                                    </p:set>
+                                  </p:childTnLst>
+                                </p:cTn>
+                              </p:par>
+                            </p:childTnLst>
+                          </p:cTn>
+                        </p:par>
+                      </p:childTnLst>
+                    </p:cTn>
+                  </p:par>
+                  <p:par>
+                    <p:cTn id="15" fill="hold">
+                      <p:stCondLst>
+                        <p:cond delay="indefinite"/>
+                      </p:stCondLst>
+                      <p:childTnLst>
+                        <p:par>
+                          <p:cTn id="16" fill="hold">
+                            <p:stCondLst>
+                              <p:cond delay="0"/>
+                            </p:stCondLst>
+                            <p:childTnLst>
+                              <p:par>
+                                <p:cTn id="17" presetID="1" presetClass="entr" presetSubtype="0" fill="hold" nodeType="clickEffect">
+                                  <p:stCondLst>
+                                    <p:cond delay="0"/>
+                                  </p:stCondLst>
+                                  <p:childTnLst>
+                                    <p:set>
+                                      <p:cBhvr>
+                                        <p:cTn id="18" dur="1" fill="hold">
+                                          <p:stCondLst>
+                                            <p:cond delay="0"/>
+                                          </p:stCondLst>
+                                        </p:cTn>
+                                        <p:tgtEl>
+                                          <p:spTgt spid="5">
+                                            <p:txEl>
+                                              <p:pRg st="3" end="3"/>
+                                            </p:txEl>
+                                          </p:spTgt>
+                                        </p:tgtEl>
+                                        <p:attrNameLst>
+                                          <p:attrName>style.visibility</p:attrName>
+                                        </p:attrNameLst>
+                                      </p:cBhvr>
+                                      <p:to>
+                                        <p:strVal val="visible"/>
+                                      </p:to>
+                                    </p:set>
+                                  </p:childTnLst>
+                                </p:cTn>
+                              </p:par>
+                            </p:childTnLst>
+                          </p:cTn>
+                        </p:par>
+                      </p:childTnLst>
+                    </p:cTn>
+                  </p:par>
+                </p:childTnLst>
+              </p:cTn>
+              <p:prevCondLst>
+                <p:cond evt="onPrev" delay="0">
+                  <p:tgtEl>
+                    <p:sldTgt/>
+                  </p:tgtEl>
+                </p:cond>
+              </p:prevCondLst>
+              <p:nextCondLst>
+                <p:cond evt="onNext" delay="0">
+                  <p:tgtEl>
+                    <p:sldTgt/>
+                  </p:tgtEl>
+                </p:cond>
+              </p:nextCondLst>
+            </p:seq>
+          </p:childTnLst>
+        </p:cTn>
+      </p:par>
+    </p:tnLst>
+  </p:timing>
+</p:sld>
+</file>
+
+<file path=ppt/slides/slide15.xml><?xml version="1.0" encoding="utf-8"?>
+<p:sld xmlns:a="http://schemas.openxmlformats.org/drawingml/2006/main" xmlns:r="http://schemas.openxmlformats.org/officeDocument/2006/relationships" xmlns:p="http://schemas.openxmlformats.org/presentationml/2006/main">
+  <p:cSld>
+    <p:spTree>
+      <p:nvGrpSpPr>
+        <p:cNvPr id="1" name=""/>
+        <p:cNvGrpSpPr/>
+        <p:nvPr/>
+      </p:nvGrpSpPr>
+      <p:grpSpPr>
+        <a:xfrm>
+          <a:off x="0" y="0"/>
+          <a:ext cx="0" cy="0"/>
+          <a:chOff x="0" y="0"/>
+          <a:chExt cx="0" cy="0"/>
+        </a:xfrm>
+      </p:grpSpPr>
+      <p:sp>
+        <p:nvSpPr>
+          <p:cNvPr id="2" name="Tiêu đề 1">
+            <a:extLst>
+              <a:ext uri="{FF2B5EF4-FFF2-40B4-BE49-F238E27FC236}">
+                <a16:creationId xmlns:a16="http://schemas.microsoft.com/office/drawing/2014/main" id="{BDB38D8F-99FF-4B54-A524-CB61268020EB}"/>
+              </a:ext>
+            </a:extLst>
+          </p:cNvPr>
+          <p:cNvSpPr>
+            <a:spLocks noGrp="1"/>
+          </p:cNvSpPr>
+          <p:nvPr>
+            <p:ph type="title"/>
+          </p:nvPr>
+        </p:nvSpPr>
+        <p:spPr/>
+        <p:txBody>
+          <a:bodyPr/>
+          <a:lstStyle/>
+          <a:p>
+            <a:r>
+              <a:rPr lang="en-US" sz="3600" dirty="0">
+                <a:solidFill>
+                  <a:schemeClr val="tx1">
+                    <a:lumMod val="85000"/>
+                    <a:lumOff val="15000"/>
+                  </a:schemeClr>
+                </a:solidFill>
+              </a:rPr>
+              <a:t>Future Direction</a:t>
+            </a:r>
+            <a:endParaRPr lang="vi-VN" dirty="0"/>
+          </a:p>
+        </p:txBody>
+      </p:sp>
+      <p:sp>
+        <p:nvSpPr>
+          <p:cNvPr id="5" name="Hộp Văn bản 4">
+            <a:extLst>
+              <a:ext uri="{FF2B5EF4-FFF2-40B4-BE49-F238E27FC236}">
+                <a16:creationId xmlns:a16="http://schemas.microsoft.com/office/drawing/2014/main" id="{79D1B829-DDCA-4A04-BD16-7E9D7BE16BE2}"/>
+              </a:ext>
+            </a:extLst>
+          </p:cNvPr>
+          <p:cNvSpPr txBox="1"/>
+          <p:nvPr/>
+        </p:nvSpPr>
+        <p:spPr>
+          <a:xfrm>
+            <a:off x="677334" y="1758829"/>
+            <a:ext cx="9196755" cy="3902928"/>
+          </a:xfrm>
+          <a:prstGeom prst="rect">
+            <a:avLst/>
+          </a:prstGeom>
+          <a:noFill/>
+        </p:spPr>
+        <p:txBody>
+          <a:bodyPr wrap="square" rtlCol="0">
+            <a:spAutoFit/>
+          </a:bodyPr>
+          <a:lstStyle/>
+          <a:p>
+            <a:pPr marL="285750" indent="-285750">
+              <a:lnSpc>
+                <a:spcPct val="150000"/>
+              </a:lnSpc>
+              <a:buFont typeface="Arial" panose="020B0604020202020204" pitchFamily="34" charset="0"/>
+              <a:buChar char="•"/>
+            </a:pPr>
+            <a:r>
+              <a:rPr lang="en-US" sz="2400" dirty="0">
                 <a:latin typeface="Georgia" panose="02040502050405020303" pitchFamily="18" charset="0"/>
               </a:rPr>
-              <a:t>Require more features such as summary, genre, etc. in our dataset to develop a content-based recommendation system</a:t>
+              <a:t>Collaborative Filtering in general suffers from Cold Start Problem</a:t>
+            </a:r>
+          </a:p>
+          <a:p>
+            <a:pPr marL="285750" indent="-285750">
+              <a:lnSpc>
+                <a:spcPct val="150000"/>
+              </a:lnSpc>
+              <a:buFont typeface="Arial" panose="020B0604020202020204" pitchFamily="34" charset="0"/>
+              <a:buChar char="•"/>
+            </a:pPr>
+            <a:r>
+              <a:rPr lang="en-US" sz="2400" dirty="0">
+                <a:latin typeface="Georgia" panose="02040502050405020303" pitchFamily="18" charset="0"/>
+              </a:rPr>
+              <a:t>Solution: Develop Content-Based Recommendation System</a:t>
+            </a:r>
+          </a:p>
+          <a:p>
+            <a:pPr marL="285750" indent="-285750">
+              <a:lnSpc>
+                <a:spcPct val="150000"/>
+              </a:lnSpc>
+              <a:buFont typeface="Arial" panose="020B0604020202020204" pitchFamily="34" charset="0"/>
+              <a:buChar char="•"/>
+            </a:pPr>
+            <a:r>
+              <a:rPr lang="en-US" sz="2400" dirty="0">
+                <a:latin typeface="Georgia" panose="02040502050405020303" pitchFamily="18" charset="0"/>
+              </a:rPr>
+              <a:t>Require more features such as summary, genre, etc. in our dataset</a:t>
             </a:r>
           </a:p>
           <a:p>
@@ -7310,10 +9531,236 @@
   <p:clrMapOvr>
     <a:masterClrMapping/>
   </p:clrMapOvr>
+  <p:timing>
+    <p:tnLst>
+      <p:par>
+        <p:cTn id="1" dur="indefinite" restart="never" nodeType="tmRoot">
+          <p:childTnLst>
+            <p:seq concurrent="1" nextAc="seek">
+              <p:cTn id="2" dur="indefinite" nodeType="mainSeq">
+                <p:childTnLst>
+                  <p:par>
+                    <p:cTn id="3" fill="hold">
+                      <p:stCondLst>
+                        <p:cond delay="indefinite"/>
+                      </p:stCondLst>
+                      <p:childTnLst>
+                        <p:par>
+                          <p:cTn id="4" fill="hold">
+                            <p:stCondLst>
+                              <p:cond delay="0"/>
+                            </p:stCondLst>
+                            <p:childTnLst>
+                              <p:par>
+                                <p:cTn id="5" presetID="1" presetClass="entr" presetSubtype="0" fill="hold" nodeType="clickEffect">
+                                  <p:stCondLst>
+                                    <p:cond delay="0"/>
+                                  </p:stCondLst>
+                                  <p:childTnLst>
+                                    <p:set>
+                                      <p:cBhvr>
+                                        <p:cTn id="6" dur="1" fill="hold">
+                                          <p:stCondLst>
+                                            <p:cond delay="0"/>
+                                          </p:stCondLst>
+                                        </p:cTn>
+                                        <p:tgtEl>
+                                          <p:spTgt spid="5">
+                                            <p:txEl>
+                                              <p:pRg st="0" end="0"/>
+                                            </p:txEl>
+                                          </p:spTgt>
+                                        </p:tgtEl>
+                                        <p:attrNameLst>
+                                          <p:attrName>style.visibility</p:attrName>
+                                        </p:attrNameLst>
+                                      </p:cBhvr>
+                                      <p:to>
+                                        <p:strVal val="visible"/>
+                                      </p:to>
+                                    </p:set>
+                                  </p:childTnLst>
+                                </p:cTn>
+                              </p:par>
+                            </p:childTnLst>
+                          </p:cTn>
+                        </p:par>
+                      </p:childTnLst>
+                    </p:cTn>
+                  </p:par>
+                  <p:par>
+                    <p:cTn id="7" fill="hold">
+                      <p:stCondLst>
+                        <p:cond delay="indefinite"/>
+                      </p:stCondLst>
+                      <p:childTnLst>
+                        <p:par>
+                          <p:cTn id="8" fill="hold">
+                            <p:stCondLst>
+                              <p:cond delay="0"/>
+                            </p:stCondLst>
+                            <p:childTnLst>
+                              <p:par>
+                                <p:cTn id="9" presetID="1" presetClass="entr" presetSubtype="0" fill="hold" nodeType="clickEffect">
+                                  <p:stCondLst>
+                                    <p:cond delay="0"/>
+                                  </p:stCondLst>
+                                  <p:childTnLst>
+                                    <p:set>
+                                      <p:cBhvr>
+                                        <p:cTn id="10" dur="1" fill="hold">
+                                          <p:stCondLst>
+                                            <p:cond delay="0"/>
+                                          </p:stCondLst>
+                                        </p:cTn>
+                                        <p:tgtEl>
+                                          <p:spTgt spid="5">
+                                            <p:txEl>
+                                              <p:pRg st="1" end="1"/>
+                                            </p:txEl>
+                                          </p:spTgt>
+                                        </p:tgtEl>
+                                        <p:attrNameLst>
+                                          <p:attrName>style.visibility</p:attrName>
+                                        </p:attrNameLst>
+                                      </p:cBhvr>
+                                      <p:to>
+                                        <p:strVal val="visible"/>
+                                      </p:to>
+                                    </p:set>
+                                  </p:childTnLst>
+                                </p:cTn>
+                              </p:par>
+                            </p:childTnLst>
+                          </p:cTn>
+                        </p:par>
+                      </p:childTnLst>
+                    </p:cTn>
+                  </p:par>
+                  <p:par>
+                    <p:cTn id="11" fill="hold">
+                      <p:stCondLst>
+                        <p:cond delay="indefinite"/>
+                      </p:stCondLst>
+                      <p:childTnLst>
+                        <p:par>
+                          <p:cTn id="12" fill="hold">
+                            <p:stCondLst>
+                              <p:cond delay="0"/>
+                            </p:stCondLst>
+                            <p:childTnLst>
+                              <p:par>
+                                <p:cTn id="13" presetID="1" presetClass="entr" presetSubtype="0" fill="hold" nodeType="clickEffect">
+                                  <p:stCondLst>
+                                    <p:cond delay="0"/>
+                                  </p:stCondLst>
+                                  <p:childTnLst>
+                                    <p:set>
+                                      <p:cBhvr>
+                                        <p:cTn id="14" dur="1" fill="hold">
+                                          <p:stCondLst>
+                                            <p:cond delay="0"/>
+                                          </p:stCondLst>
+                                        </p:cTn>
+                                        <p:tgtEl>
+                                          <p:spTgt spid="5">
+                                            <p:txEl>
+                                              <p:pRg st="2" end="2"/>
+                                            </p:txEl>
+                                          </p:spTgt>
+                                        </p:tgtEl>
+                                        <p:attrNameLst>
+                                          <p:attrName>style.visibility</p:attrName>
+                                        </p:attrNameLst>
+                                      </p:cBhvr>
+                                      <p:to>
+                                        <p:strVal val="visible"/>
+                                      </p:to>
+                                    </p:set>
+                                  </p:childTnLst>
+                                </p:cTn>
+                              </p:par>
+                            </p:childTnLst>
+                          </p:cTn>
+                        </p:par>
+                      </p:childTnLst>
+                    </p:cTn>
+                  </p:par>
+                  <p:par>
+                    <p:cTn id="15" fill="hold">
+                      <p:stCondLst>
+                        <p:cond delay="indefinite"/>
+                      </p:stCondLst>
+                      <p:childTnLst>
+                        <p:par>
+                          <p:cTn id="16" fill="hold">
+                            <p:stCondLst>
+                              <p:cond delay="0"/>
+                            </p:stCondLst>
+                            <p:childTnLst>
+                              <p:par>
+                                <p:cTn id="17" presetID="1" presetClass="entr" presetSubtype="0" fill="hold" nodeType="clickEffect">
+                                  <p:stCondLst>
+                                    <p:cond delay="0"/>
+                                  </p:stCondLst>
+                                  <p:childTnLst>
+                                    <p:set>
+                                      <p:cBhvr>
+                                        <p:cTn id="18" dur="1" fill="hold">
+                                          <p:stCondLst>
+                                            <p:cond delay="0"/>
+                                          </p:stCondLst>
+                                        </p:cTn>
+                                        <p:tgtEl>
+                                          <p:spTgt spid="5">
+                                            <p:txEl>
+                                              <p:pRg st="3" end="3"/>
+                                            </p:txEl>
+                                          </p:spTgt>
+                                        </p:tgtEl>
+                                        <p:attrNameLst>
+                                          <p:attrName>style.visibility</p:attrName>
+                                        </p:attrNameLst>
+                                      </p:cBhvr>
+                                      <p:to>
+                                        <p:strVal val="visible"/>
+                                      </p:to>
+                                    </p:set>
+                                  </p:childTnLst>
+                                </p:cTn>
+                              </p:par>
+                            </p:childTnLst>
+                          </p:cTn>
+                        </p:par>
+                      </p:childTnLst>
+                    </p:cTn>
+                  </p:par>
+                </p:childTnLst>
+              </p:cTn>
+              <p:prevCondLst>
+                <p:cond evt="onPrev" delay="0">
+                  <p:tgtEl>
+                    <p:sldTgt/>
+                  </p:tgtEl>
+                </p:cond>
+              </p:prevCondLst>
+              <p:nextCondLst>
+                <p:cond evt="onNext" delay="0">
+                  <p:tgtEl>
+                    <p:sldTgt/>
+                  </p:tgtEl>
+                </p:cond>
+              </p:nextCondLst>
+            </p:seq>
+          </p:childTnLst>
+        </p:cTn>
+      </p:par>
+    </p:tnLst>
+  </p:timing>
 </p:sld>
 </file>
 
-<file path=ppt/slides/slide13.xml><?xml version="1.0" encoding="utf-8"?>
+<file path=ppt/slides/slide16.xml><?xml version="1.0" encoding="utf-8"?>
 <p:sld xmlns:a="http://schemas.openxmlformats.org/drawingml/2006/main" xmlns:r="http://schemas.openxmlformats.org/officeDocument/2006/relationships" xmlns:p="http://schemas.openxmlformats.org/presentationml/2006/main">
   <p:cSld>
     <p:spTree>
@@ -8459,6 +10906,457 @@
   <p:clrMapOvr>
     <a:masterClrMapping/>
   </p:clrMapOvr>
+  <p:timing>
+    <p:tnLst>
+      <p:par>
+        <p:cTn id="1" dur="indefinite" restart="never" nodeType="tmRoot">
+          <p:childTnLst>
+            <p:seq concurrent="1" nextAc="seek">
+              <p:cTn id="2" dur="indefinite" nodeType="mainSeq">
+                <p:childTnLst>
+                  <p:par>
+                    <p:cTn id="3" fill="hold">
+                      <p:stCondLst>
+                        <p:cond delay="indefinite"/>
+                      </p:stCondLst>
+                      <p:childTnLst>
+                        <p:par>
+                          <p:cTn id="4" fill="hold">
+                            <p:stCondLst>
+                              <p:cond delay="0"/>
+                            </p:stCondLst>
+                            <p:childTnLst>
+                              <p:par>
+                                <p:cTn id="5" presetID="1" presetClass="entr" presetSubtype="0" fill="hold" grpId="0" nodeType="clickEffect">
+                                  <p:stCondLst>
+                                    <p:cond delay="0"/>
+                                  </p:stCondLst>
+                                  <p:childTnLst>
+                                    <p:set>
+                                      <p:cBhvr>
+                                        <p:cTn id="6" dur="1" fill="hold">
+                                          <p:stCondLst>
+                                            <p:cond delay="0"/>
+                                          </p:stCondLst>
+                                        </p:cTn>
+                                        <p:tgtEl>
+                                          <p:spTgt spid="5"/>
+                                        </p:tgtEl>
+                                        <p:attrNameLst>
+                                          <p:attrName>style.visibility</p:attrName>
+                                        </p:attrNameLst>
+                                      </p:cBhvr>
+                                      <p:to>
+                                        <p:strVal val="visible"/>
+                                      </p:to>
+                                    </p:set>
+                                  </p:childTnLst>
+                                </p:cTn>
+                              </p:par>
+                            </p:childTnLst>
+                          </p:cTn>
+                        </p:par>
+                      </p:childTnLst>
+                    </p:cTn>
+                  </p:par>
+                  <p:par>
+                    <p:cTn id="7" fill="hold">
+                      <p:stCondLst>
+                        <p:cond delay="indefinite"/>
+                      </p:stCondLst>
+                      <p:childTnLst>
+                        <p:par>
+                          <p:cTn id="8" fill="hold">
+                            <p:stCondLst>
+                              <p:cond delay="0"/>
+                            </p:stCondLst>
+                            <p:childTnLst>
+                              <p:par>
+                                <p:cTn id="9" presetID="1" presetClass="entr" presetSubtype="0" fill="hold" nodeType="clickEffect">
+                                  <p:stCondLst>
+                                    <p:cond delay="0"/>
+                                  </p:stCondLst>
+                                  <p:childTnLst>
+                                    <p:set>
+                                      <p:cBhvr>
+                                        <p:cTn id="10" dur="1" fill="hold">
+                                          <p:stCondLst>
+                                            <p:cond delay="0"/>
+                                          </p:stCondLst>
+                                        </p:cTn>
+                                        <p:tgtEl>
+                                          <p:spTgt spid="6">
+                                            <p:txEl>
+                                              <p:pRg st="0" end="0"/>
+                                            </p:txEl>
+                                          </p:spTgt>
+                                        </p:tgtEl>
+                                        <p:attrNameLst>
+                                          <p:attrName>style.visibility</p:attrName>
+                                        </p:attrNameLst>
+                                      </p:cBhvr>
+                                      <p:to>
+                                        <p:strVal val="visible"/>
+                                      </p:to>
+                                    </p:set>
+                                  </p:childTnLst>
+                                </p:cTn>
+                              </p:par>
+                            </p:childTnLst>
+                          </p:cTn>
+                        </p:par>
+                      </p:childTnLst>
+                    </p:cTn>
+                  </p:par>
+                  <p:par>
+                    <p:cTn id="11" fill="hold">
+                      <p:stCondLst>
+                        <p:cond delay="indefinite"/>
+                      </p:stCondLst>
+                      <p:childTnLst>
+                        <p:par>
+                          <p:cTn id="12" fill="hold">
+                            <p:stCondLst>
+                              <p:cond delay="0"/>
+                            </p:stCondLst>
+                            <p:childTnLst>
+                              <p:par>
+                                <p:cTn id="13" presetID="1" presetClass="entr" presetSubtype="0" fill="hold" nodeType="clickEffect">
+                                  <p:stCondLst>
+                                    <p:cond delay="0"/>
+                                  </p:stCondLst>
+                                  <p:childTnLst>
+                                    <p:set>
+                                      <p:cBhvr>
+                                        <p:cTn id="14" dur="1" fill="hold">
+                                          <p:stCondLst>
+                                            <p:cond delay="0"/>
+                                          </p:stCondLst>
+                                        </p:cTn>
+                                        <p:tgtEl>
+                                          <p:spTgt spid="6">
+                                            <p:txEl>
+                                              <p:pRg st="1" end="1"/>
+                                            </p:txEl>
+                                          </p:spTgt>
+                                        </p:tgtEl>
+                                        <p:attrNameLst>
+                                          <p:attrName>style.visibility</p:attrName>
+                                        </p:attrNameLst>
+                                      </p:cBhvr>
+                                      <p:to>
+                                        <p:strVal val="visible"/>
+                                      </p:to>
+                                    </p:set>
+                                  </p:childTnLst>
+                                </p:cTn>
+                              </p:par>
+                            </p:childTnLst>
+                          </p:cTn>
+                        </p:par>
+                      </p:childTnLst>
+                    </p:cTn>
+                  </p:par>
+                  <p:par>
+                    <p:cTn id="15" fill="hold">
+                      <p:stCondLst>
+                        <p:cond delay="indefinite"/>
+                      </p:stCondLst>
+                      <p:childTnLst>
+                        <p:par>
+                          <p:cTn id="16" fill="hold">
+                            <p:stCondLst>
+                              <p:cond delay="0"/>
+                            </p:stCondLst>
+                            <p:childTnLst>
+                              <p:par>
+                                <p:cTn id="17" presetID="1" presetClass="entr" presetSubtype="0" fill="hold" nodeType="clickEffect">
+                                  <p:stCondLst>
+                                    <p:cond delay="0"/>
+                                  </p:stCondLst>
+                                  <p:childTnLst>
+                                    <p:set>
+                                      <p:cBhvr>
+                                        <p:cTn id="18" dur="1" fill="hold">
+                                          <p:stCondLst>
+                                            <p:cond delay="0"/>
+                                          </p:stCondLst>
+                                        </p:cTn>
+                                        <p:tgtEl>
+                                          <p:spTgt spid="6">
+                                            <p:txEl>
+                                              <p:pRg st="2" end="2"/>
+                                            </p:txEl>
+                                          </p:spTgt>
+                                        </p:tgtEl>
+                                        <p:attrNameLst>
+                                          <p:attrName>style.visibility</p:attrName>
+                                        </p:attrNameLst>
+                                      </p:cBhvr>
+                                      <p:to>
+                                        <p:strVal val="visible"/>
+                                      </p:to>
+                                    </p:set>
+                                  </p:childTnLst>
+                                </p:cTn>
+                              </p:par>
+                            </p:childTnLst>
+                          </p:cTn>
+                        </p:par>
+                      </p:childTnLst>
+                    </p:cTn>
+                  </p:par>
+                  <p:par>
+                    <p:cTn id="19" fill="hold">
+                      <p:stCondLst>
+                        <p:cond delay="indefinite"/>
+                      </p:stCondLst>
+                      <p:childTnLst>
+                        <p:par>
+                          <p:cTn id="20" fill="hold">
+                            <p:stCondLst>
+                              <p:cond delay="0"/>
+                            </p:stCondLst>
+                            <p:childTnLst>
+                              <p:par>
+                                <p:cTn id="21" presetID="1" presetClass="entr" presetSubtype="0" fill="hold" grpId="0" nodeType="clickEffect">
+                                  <p:stCondLst>
+                                    <p:cond delay="0"/>
+                                  </p:stCondLst>
+                                  <p:childTnLst>
+                                    <p:set>
+                                      <p:cBhvr>
+                                        <p:cTn id="22" dur="1" fill="hold">
+                                          <p:stCondLst>
+                                            <p:cond delay="0"/>
+                                          </p:stCondLst>
+                                        </p:cTn>
+                                        <p:tgtEl>
+                                          <p:spTgt spid="7"/>
+                                        </p:tgtEl>
+                                        <p:attrNameLst>
+                                          <p:attrName>style.visibility</p:attrName>
+                                        </p:attrNameLst>
+                                      </p:cBhvr>
+                                      <p:to>
+                                        <p:strVal val="visible"/>
+                                      </p:to>
+                                    </p:set>
+                                  </p:childTnLst>
+                                </p:cTn>
+                              </p:par>
+                            </p:childTnLst>
+                          </p:cTn>
+                        </p:par>
+                      </p:childTnLst>
+                    </p:cTn>
+                  </p:par>
+                  <p:par>
+                    <p:cTn id="23" fill="hold">
+                      <p:stCondLst>
+                        <p:cond delay="indefinite"/>
+                      </p:stCondLst>
+                      <p:childTnLst>
+                        <p:par>
+                          <p:cTn id="24" fill="hold">
+                            <p:stCondLst>
+                              <p:cond delay="0"/>
+                            </p:stCondLst>
+                            <p:childTnLst>
+                              <p:par>
+                                <p:cTn id="25" presetID="1" presetClass="entr" presetSubtype="0" fill="hold" nodeType="clickEffect">
+                                  <p:stCondLst>
+                                    <p:cond delay="0"/>
+                                  </p:stCondLst>
+                                  <p:childTnLst>
+                                    <p:set>
+                                      <p:cBhvr>
+                                        <p:cTn id="26" dur="1" fill="hold">
+                                          <p:stCondLst>
+                                            <p:cond delay="0"/>
+                                          </p:stCondLst>
+                                        </p:cTn>
+                                        <p:tgtEl>
+                                          <p:spTgt spid="9"/>
+                                        </p:tgtEl>
+                                        <p:attrNameLst>
+                                          <p:attrName>style.visibility</p:attrName>
+                                        </p:attrNameLst>
+                                      </p:cBhvr>
+                                      <p:to>
+                                        <p:strVal val="visible"/>
+                                      </p:to>
+                                    </p:set>
+                                  </p:childTnLst>
+                                </p:cTn>
+                              </p:par>
+                            </p:childTnLst>
+                          </p:cTn>
+                        </p:par>
+                      </p:childTnLst>
+                    </p:cTn>
+                  </p:par>
+                  <p:par>
+                    <p:cTn id="27" fill="hold">
+                      <p:stCondLst>
+                        <p:cond delay="indefinite"/>
+                      </p:stCondLst>
+                      <p:childTnLst>
+                        <p:par>
+                          <p:cTn id="28" fill="hold">
+                            <p:stCondLst>
+                              <p:cond delay="0"/>
+                            </p:stCondLst>
+                            <p:childTnLst>
+                              <p:par>
+                                <p:cTn id="29" presetID="1" presetClass="entr" presetSubtype="0" fill="hold" nodeType="clickEffect">
+                                  <p:stCondLst>
+                                    <p:cond delay="0"/>
+                                  </p:stCondLst>
+                                  <p:childTnLst>
+                                    <p:set>
+                                      <p:cBhvr>
+                                        <p:cTn id="30" dur="1" fill="hold">
+                                          <p:stCondLst>
+                                            <p:cond delay="0"/>
+                                          </p:stCondLst>
+                                        </p:cTn>
+                                        <p:tgtEl>
+                                          <p:spTgt spid="1030"/>
+                                        </p:tgtEl>
+                                        <p:attrNameLst>
+                                          <p:attrName>style.visibility</p:attrName>
+                                        </p:attrNameLst>
+                                      </p:cBhvr>
+                                      <p:to>
+                                        <p:strVal val="visible"/>
+                                      </p:to>
+                                    </p:set>
+                                  </p:childTnLst>
+                                </p:cTn>
+                              </p:par>
+                            </p:childTnLst>
+                          </p:cTn>
+                        </p:par>
+                      </p:childTnLst>
+                    </p:cTn>
+                  </p:par>
+                  <p:par>
+                    <p:cTn id="31" fill="hold">
+                      <p:stCondLst>
+                        <p:cond delay="indefinite"/>
+                      </p:stCondLst>
+                      <p:childTnLst>
+                        <p:par>
+                          <p:cTn id="32" fill="hold">
+                            <p:stCondLst>
+                              <p:cond delay="0"/>
+                            </p:stCondLst>
+                            <p:childTnLst>
+                              <p:par>
+                                <p:cTn id="33" presetID="1" presetClass="entr" presetSubtype="0" fill="hold" nodeType="clickEffect">
+                                  <p:stCondLst>
+                                    <p:cond delay="0"/>
+                                  </p:stCondLst>
+                                  <p:childTnLst>
+                                    <p:set>
+                                      <p:cBhvr>
+                                        <p:cTn id="34" dur="1" fill="hold">
+                                          <p:stCondLst>
+                                            <p:cond delay="0"/>
+                                          </p:stCondLst>
+                                        </p:cTn>
+                                        <p:tgtEl>
+                                          <p:spTgt spid="1028"/>
+                                        </p:tgtEl>
+                                        <p:attrNameLst>
+                                          <p:attrName>style.visibility</p:attrName>
+                                        </p:attrNameLst>
+                                      </p:cBhvr>
+                                      <p:to>
+                                        <p:strVal val="visible"/>
+                                      </p:to>
+                                    </p:set>
+                                  </p:childTnLst>
+                                </p:cTn>
+                              </p:par>
+                            </p:childTnLst>
+                          </p:cTn>
+                        </p:par>
+                      </p:childTnLst>
+                    </p:cTn>
+                  </p:par>
+                  <p:par>
+                    <p:cTn id="35" fill="hold">
+                      <p:stCondLst>
+                        <p:cond delay="indefinite"/>
+                      </p:stCondLst>
+                      <p:childTnLst>
+                        <p:par>
+                          <p:cTn id="36" fill="hold">
+                            <p:stCondLst>
+                              <p:cond delay="0"/>
+                            </p:stCondLst>
+                            <p:childTnLst>
+                              <p:par>
+                                <p:cTn id="37" presetID="1" presetClass="entr" presetSubtype="0" fill="hold" nodeType="clickEffect">
+                                  <p:stCondLst>
+                                    <p:cond delay="0"/>
+                                  </p:stCondLst>
+                                  <p:childTnLst>
+                                    <p:set>
+                                      <p:cBhvr>
+                                        <p:cTn id="38" dur="1" fill="hold">
+                                          <p:stCondLst>
+                                            <p:cond delay="0"/>
+                                          </p:stCondLst>
+                                        </p:cTn>
+                                        <p:tgtEl>
+                                          <p:spTgt spid="1026"/>
+                                        </p:tgtEl>
+                                        <p:attrNameLst>
+                                          <p:attrName>style.visibility</p:attrName>
+                                        </p:attrNameLst>
+                                      </p:cBhvr>
+                                      <p:to>
+                                        <p:strVal val="visible"/>
+                                      </p:to>
+                                    </p:set>
+                                  </p:childTnLst>
+                                </p:cTn>
+                              </p:par>
+                            </p:childTnLst>
+                          </p:cTn>
+                        </p:par>
+                      </p:childTnLst>
+                    </p:cTn>
+                  </p:par>
+                </p:childTnLst>
+              </p:cTn>
+              <p:prevCondLst>
+                <p:cond evt="onPrev" delay="0">
+                  <p:tgtEl>
+                    <p:sldTgt/>
+                  </p:tgtEl>
+                </p:cond>
+              </p:prevCondLst>
+              <p:nextCondLst>
+                <p:cond evt="onNext" delay="0">
+                  <p:tgtEl>
+                    <p:sldTgt/>
+                  </p:tgtEl>
+                </p:cond>
+              </p:nextCondLst>
+            </p:seq>
+          </p:childTnLst>
+        </p:cTn>
+      </p:par>
+    </p:tnLst>
+    <p:bldLst>
+      <p:bldP spid="5" grpId="0"/>
+      <p:bldP spid="7" grpId="0"/>
+    </p:bldLst>
+  </p:timing>
 </p:sld>
 </file>
 
@@ -9275,6 +12173,266 @@
   <p:clrMapOvr>
     <a:masterClrMapping/>
   </p:clrMapOvr>
+  <p:timing>
+    <p:tnLst>
+      <p:par>
+        <p:cTn id="1" dur="indefinite" restart="never" nodeType="tmRoot">
+          <p:childTnLst>
+            <p:seq concurrent="1" nextAc="seek">
+              <p:cTn id="2" dur="indefinite" nodeType="mainSeq">
+                <p:childTnLst>
+                  <p:par>
+                    <p:cTn id="3" fill="hold">
+                      <p:stCondLst>
+                        <p:cond delay="indefinite"/>
+                      </p:stCondLst>
+                      <p:childTnLst>
+                        <p:par>
+                          <p:cTn id="4" fill="hold">
+                            <p:stCondLst>
+                              <p:cond delay="0"/>
+                            </p:stCondLst>
+                            <p:childTnLst>
+                              <p:par>
+                                <p:cTn id="5" presetID="1" presetClass="entr" presetSubtype="0" fill="hold" grpId="0" nodeType="clickEffect">
+                                  <p:stCondLst>
+                                    <p:cond delay="0"/>
+                                  </p:stCondLst>
+                                  <p:childTnLst>
+                                    <p:set>
+                                      <p:cBhvr>
+                                        <p:cTn id="6" dur="1" fill="hold">
+                                          <p:stCondLst>
+                                            <p:cond delay="0"/>
+                                          </p:stCondLst>
+                                        </p:cTn>
+                                        <p:tgtEl>
+                                          <p:spTgt spid="6"/>
+                                        </p:tgtEl>
+                                        <p:attrNameLst>
+                                          <p:attrName>style.visibility</p:attrName>
+                                        </p:attrNameLst>
+                                      </p:cBhvr>
+                                      <p:to>
+                                        <p:strVal val="visible"/>
+                                      </p:to>
+                                    </p:set>
+                                  </p:childTnLst>
+                                </p:cTn>
+                              </p:par>
+                            </p:childTnLst>
+                          </p:cTn>
+                        </p:par>
+                      </p:childTnLst>
+                    </p:cTn>
+                  </p:par>
+                  <p:par>
+                    <p:cTn id="7" fill="hold">
+                      <p:stCondLst>
+                        <p:cond delay="indefinite"/>
+                      </p:stCondLst>
+                      <p:childTnLst>
+                        <p:par>
+                          <p:cTn id="8" fill="hold">
+                            <p:stCondLst>
+                              <p:cond delay="0"/>
+                            </p:stCondLst>
+                            <p:childTnLst>
+                              <p:par>
+                                <p:cTn id="9" presetID="1" presetClass="entr" presetSubtype="0" fill="hold" grpId="0" nodeType="clickEffect">
+                                  <p:stCondLst>
+                                    <p:cond delay="0"/>
+                                  </p:stCondLst>
+                                  <p:childTnLst>
+                                    <p:set>
+                                      <p:cBhvr>
+                                        <p:cTn id="10" dur="1" fill="hold">
+                                          <p:stCondLst>
+                                            <p:cond delay="0"/>
+                                          </p:stCondLst>
+                                        </p:cTn>
+                                        <p:tgtEl>
+                                          <p:spTgt spid="7"/>
+                                        </p:tgtEl>
+                                        <p:attrNameLst>
+                                          <p:attrName>style.visibility</p:attrName>
+                                        </p:attrNameLst>
+                                      </p:cBhvr>
+                                      <p:to>
+                                        <p:strVal val="visible"/>
+                                      </p:to>
+                                    </p:set>
+                                  </p:childTnLst>
+                                </p:cTn>
+                              </p:par>
+                            </p:childTnLst>
+                          </p:cTn>
+                        </p:par>
+                      </p:childTnLst>
+                    </p:cTn>
+                  </p:par>
+                  <p:par>
+                    <p:cTn id="11" fill="hold">
+                      <p:stCondLst>
+                        <p:cond delay="indefinite"/>
+                      </p:stCondLst>
+                      <p:childTnLst>
+                        <p:par>
+                          <p:cTn id="12" fill="hold">
+                            <p:stCondLst>
+                              <p:cond delay="0"/>
+                            </p:stCondLst>
+                            <p:childTnLst>
+                              <p:par>
+                                <p:cTn id="13" presetID="1" presetClass="entr" presetSubtype="0" fill="hold" grpId="0" nodeType="clickEffect">
+                                  <p:stCondLst>
+                                    <p:cond delay="0"/>
+                                  </p:stCondLst>
+                                  <p:childTnLst>
+                                    <p:set>
+                                      <p:cBhvr>
+                                        <p:cTn id="14" dur="1" fill="hold">
+                                          <p:stCondLst>
+                                            <p:cond delay="0"/>
+                                          </p:stCondLst>
+                                        </p:cTn>
+                                        <p:tgtEl>
+                                          <p:spTgt spid="5"/>
+                                        </p:tgtEl>
+                                        <p:attrNameLst>
+                                          <p:attrName>style.visibility</p:attrName>
+                                        </p:attrNameLst>
+                                      </p:cBhvr>
+                                      <p:to>
+                                        <p:strVal val="visible"/>
+                                      </p:to>
+                                    </p:set>
+                                  </p:childTnLst>
+                                </p:cTn>
+                              </p:par>
+                            </p:childTnLst>
+                          </p:cTn>
+                        </p:par>
+                      </p:childTnLst>
+                    </p:cTn>
+                  </p:par>
+                  <p:par>
+                    <p:cTn id="15" fill="hold">
+                      <p:stCondLst>
+                        <p:cond delay="indefinite"/>
+                      </p:stCondLst>
+                      <p:childTnLst>
+                        <p:par>
+                          <p:cTn id="16" fill="hold">
+                            <p:stCondLst>
+                              <p:cond delay="0"/>
+                            </p:stCondLst>
+                            <p:childTnLst>
+                              <p:par>
+                                <p:cTn id="17" presetID="1" presetClass="entr" presetSubtype="0" fill="hold" nodeType="clickEffect">
+                                  <p:stCondLst>
+                                    <p:cond delay="0"/>
+                                  </p:stCondLst>
+                                  <p:childTnLst>
+                                    <p:set>
+                                      <p:cBhvr>
+                                        <p:cTn id="18" dur="1" fill="hold">
+                                          <p:stCondLst>
+                                            <p:cond delay="0"/>
+                                          </p:stCondLst>
+                                        </p:cTn>
+                                        <p:tgtEl>
+                                          <p:spTgt spid="14"/>
+                                        </p:tgtEl>
+                                        <p:attrNameLst>
+                                          <p:attrName>style.visibility</p:attrName>
+                                        </p:attrNameLst>
+                                      </p:cBhvr>
+                                      <p:to>
+                                        <p:strVal val="visible"/>
+                                      </p:to>
+                                    </p:set>
+                                  </p:childTnLst>
+                                </p:cTn>
+                              </p:par>
+                            </p:childTnLst>
+                          </p:cTn>
+                        </p:par>
+                      </p:childTnLst>
+                    </p:cTn>
+                  </p:par>
+                  <p:par>
+                    <p:cTn id="19" fill="hold">
+                      <p:stCondLst>
+                        <p:cond delay="indefinite"/>
+                      </p:stCondLst>
+                      <p:childTnLst>
+                        <p:par>
+                          <p:cTn id="20" fill="hold">
+                            <p:stCondLst>
+                              <p:cond delay="0"/>
+                            </p:stCondLst>
+                            <p:childTnLst>
+                              <p:par>
+                                <p:cTn id="21" presetID="1" presetClass="entr" presetSubtype="0" fill="hold" nodeType="clickEffect">
+                                  <p:stCondLst>
+                                    <p:cond delay="0"/>
+                                  </p:stCondLst>
+                                  <p:childTnLst>
+                                    <p:set>
+                                      <p:cBhvr>
+                                        <p:cTn id="22" dur="1" fill="hold">
+                                          <p:stCondLst>
+                                            <p:cond delay="0"/>
+                                          </p:stCondLst>
+                                        </p:cTn>
+                                        <p:tgtEl>
+                                          <p:spTgt spid="15"/>
+                                        </p:tgtEl>
+                                        <p:attrNameLst>
+                                          <p:attrName>style.visibility</p:attrName>
+                                        </p:attrNameLst>
+                                      </p:cBhvr>
+                                      <p:to>
+                                        <p:strVal val="visible"/>
+                                      </p:to>
+                                    </p:set>
+                                  </p:childTnLst>
+                                </p:cTn>
+                              </p:par>
+                            </p:childTnLst>
+                          </p:cTn>
+                        </p:par>
+                      </p:childTnLst>
+                    </p:cTn>
+                  </p:par>
+                </p:childTnLst>
+              </p:cTn>
+              <p:prevCondLst>
+                <p:cond evt="onPrev" delay="0">
+                  <p:tgtEl>
+                    <p:sldTgt/>
+                  </p:tgtEl>
+                </p:cond>
+              </p:prevCondLst>
+              <p:nextCondLst>
+                <p:cond evt="onNext" delay="0">
+                  <p:tgtEl>
+                    <p:sldTgt/>
+                  </p:tgtEl>
+                </p:cond>
+              </p:nextCondLst>
+            </p:seq>
+          </p:childTnLst>
+        </p:cTn>
+      </p:par>
+    </p:tnLst>
+    <p:bldLst>
+      <p:bldP spid="5" grpId="0" animBg="1"/>
+      <p:bldP spid="6" grpId="0" animBg="1"/>
+      <p:bldP spid="7" grpId="0" animBg="1"/>
+    </p:bldLst>
+  </p:timing>
 </p:sld>
 </file>
 
@@ -9491,6 +12649,281 @@
   <p:clrMapOvr>
     <a:masterClrMapping/>
   </p:clrMapOvr>
+  <p:timing>
+    <p:tnLst>
+      <p:par>
+        <p:cTn id="1" dur="indefinite" restart="never" nodeType="tmRoot">
+          <p:childTnLst>
+            <p:seq concurrent="1" nextAc="seek">
+              <p:cTn id="2" dur="indefinite" nodeType="mainSeq">
+                <p:childTnLst>
+                  <p:par>
+                    <p:cTn id="3" fill="hold">
+                      <p:stCondLst>
+                        <p:cond delay="indefinite"/>
+                      </p:stCondLst>
+                      <p:childTnLst>
+                        <p:par>
+                          <p:cTn id="4" fill="hold">
+                            <p:stCondLst>
+                              <p:cond delay="0"/>
+                            </p:stCondLst>
+                            <p:childTnLst>
+                              <p:par>
+                                <p:cTn id="5" presetID="1" presetClass="entr" presetSubtype="0" fill="hold" nodeType="clickEffect">
+                                  <p:stCondLst>
+                                    <p:cond delay="0"/>
+                                  </p:stCondLst>
+                                  <p:childTnLst>
+                                    <p:set>
+                                      <p:cBhvr>
+                                        <p:cTn id="6" dur="1" fill="hold">
+                                          <p:stCondLst>
+                                            <p:cond delay="0"/>
+                                          </p:stCondLst>
+                                        </p:cTn>
+                                        <p:tgtEl>
+                                          <p:spTgt spid="3">
+                                            <p:txEl>
+                                              <p:pRg st="0" end="0"/>
+                                            </p:txEl>
+                                          </p:spTgt>
+                                        </p:tgtEl>
+                                        <p:attrNameLst>
+                                          <p:attrName>style.visibility</p:attrName>
+                                        </p:attrNameLst>
+                                      </p:cBhvr>
+                                      <p:to>
+                                        <p:strVal val="visible"/>
+                                      </p:to>
+                                    </p:set>
+                                  </p:childTnLst>
+                                </p:cTn>
+                              </p:par>
+                            </p:childTnLst>
+                          </p:cTn>
+                        </p:par>
+                      </p:childTnLst>
+                    </p:cTn>
+                  </p:par>
+                  <p:par>
+                    <p:cTn id="7" fill="hold">
+                      <p:stCondLst>
+                        <p:cond delay="indefinite"/>
+                      </p:stCondLst>
+                      <p:childTnLst>
+                        <p:par>
+                          <p:cTn id="8" fill="hold">
+                            <p:stCondLst>
+                              <p:cond delay="0"/>
+                            </p:stCondLst>
+                            <p:childTnLst>
+                              <p:par>
+                                <p:cTn id="9" presetID="1" presetClass="entr" presetSubtype="0" fill="hold" nodeType="clickEffect">
+                                  <p:stCondLst>
+                                    <p:cond delay="0"/>
+                                  </p:stCondLst>
+                                  <p:childTnLst>
+                                    <p:set>
+                                      <p:cBhvr>
+                                        <p:cTn id="10" dur="1" fill="hold">
+                                          <p:stCondLst>
+                                            <p:cond delay="0"/>
+                                          </p:stCondLst>
+                                        </p:cTn>
+                                        <p:tgtEl>
+                                          <p:spTgt spid="3">
+                                            <p:txEl>
+                                              <p:pRg st="2" end="2"/>
+                                            </p:txEl>
+                                          </p:spTgt>
+                                        </p:tgtEl>
+                                        <p:attrNameLst>
+                                          <p:attrName>style.visibility</p:attrName>
+                                        </p:attrNameLst>
+                                      </p:cBhvr>
+                                      <p:to>
+                                        <p:strVal val="visible"/>
+                                      </p:to>
+                                    </p:set>
+                                  </p:childTnLst>
+                                </p:cTn>
+                              </p:par>
+                            </p:childTnLst>
+                          </p:cTn>
+                        </p:par>
+                      </p:childTnLst>
+                    </p:cTn>
+                  </p:par>
+                  <p:par>
+                    <p:cTn id="11" fill="hold">
+                      <p:stCondLst>
+                        <p:cond delay="indefinite"/>
+                      </p:stCondLst>
+                      <p:childTnLst>
+                        <p:par>
+                          <p:cTn id="12" fill="hold">
+                            <p:stCondLst>
+                              <p:cond delay="0"/>
+                            </p:stCondLst>
+                            <p:childTnLst>
+                              <p:par>
+                                <p:cTn id="13" presetID="1" presetClass="entr" presetSubtype="0" fill="hold" nodeType="clickEffect">
+                                  <p:stCondLst>
+                                    <p:cond delay="0"/>
+                                  </p:stCondLst>
+                                  <p:childTnLst>
+                                    <p:set>
+                                      <p:cBhvr>
+                                        <p:cTn id="14" dur="1" fill="hold">
+                                          <p:stCondLst>
+                                            <p:cond delay="0"/>
+                                          </p:stCondLst>
+                                        </p:cTn>
+                                        <p:tgtEl>
+                                          <p:spTgt spid="3">
+                                            <p:txEl>
+                                              <p:pRg st="4" end="4"/>
+                                            </p:txEl>
+                                          </p:spTgt>
+                                        </p:tgtEl>
+                                        <p:attrNameLst>
+                                          <p:attrName>style.visibility</p:attrName>
+                                        </p:attrNameLst>
+                                      </p:cBhvr>
+                                      <p:to>
+                                        <p:strVal val="visible"/>
+                                      </p:to>
+                                    </p:set>
+                                  </p:childTnLst>
+                                </p:cTn>
+                              </p:par>
+                            </p:childTnLst>
+                          </p:cTn>
+                        </p:par>
+                      </p:childTnLst>
+                    </p:cTn>
+                  </p:par>
+                  <p:par>
+                    <p:cTn id="15" fill="hold">
+                      <p:stCondLst>
+                        <p:cond delay="indefinite"/>
+                      </p:stCondLst>
+                      <p:childTnLst>
+                        <p:par>
+                          <p:cTn id="16" fill="hold">
+                            <p:stCondLst>
+                              <p:cond delay="0"/>
+                            </p:stCondLst>
+                            <p:childTnLst>
+                              <p:par>
+                                <p:cTn id="17" presetID="1" presetClass="entr" presetSubtype="0" fill="hold" nodeType="clickEffect">
+                                  <p:stCondLst>
+                                    <p:cond delay="0"/>
+                                  </p:stCondLst>
+                                  <p:childTnLst>
+                                    <p:set>
+                                      <p:cBhvr>
+                                        <p:cTn id="18" dur="1" fill="hold">
+                                          <p:stCondLst>
+                                            <p:cond delay="0"/>
+                                          </p:stCondLst>
+                                        </p:cTn>
+                                        <p:tgtEl>
+                                          <p:spTgt spid="3">
+                                            <p:txEl>
+                                              <p:pRg st="6" end="6"/>
+                                            </p:txEl>
+                                          </p:spTgt>
+                                        </p:tgtEl>
+                                        <p:attrNameLst>
+                                          <p:attrName>style.visibility</p:attrName>
+                                        </p:attrNameLst>
+                                      </p:cBhvr>
+                                      <p:to>
+                                        <p:strVal val="visible"/>
+                                      </p:to>
+                                    </p:set>
+                                  </p:childTnLst>
+                                </p:cTn>
+                              </p:par>
+                            </p:childTnLst>
+                          </p:cTn>
+                        </p:par>
+                      </p:childTnLst>
+                    </p:cTn>
+                  </p:par>
+                  <p:par>
+                    <p:cTn id="19" fill="hold">
+                      <p:stCondLst>
+                        <p:cond delay="indefinite"/>
+                      </p:stCondLst>
+                      <p:childTnLst>
+                        <p:par>
+                          <p:cTn id="20" fill="hold">
+                            <p:stCondLst>
+                              <p:cond delay="0"/>
+                            </p:stCondLst>
+                            <p:childTnLst>
+                              <p:par>
+                                <p:cTn id="21" presetID="1" presetClass="entr" presetSubtype="0" fill="hold" nodeType="clickEffect">
+                                  <p:stCondLst>
+                                    <p:cond delay="0"/>
+                                  </p:stCondLst>
+                                  <p:childTnLst>
+                                    <p:set>
+                                      <p:cBhvr>
+                                        <p:cTn id="22" dur="1" fill="hold">
+                                          <p:stCondLst>
+                                            <p:cond delay="0"/>
+                                          </p:stCondLst>
+                                        </p:cTn>
+                                        <p:tgtEl>
+                                          <p:spTgt spid="3">
+                                            <p:txEl>
+                                              <p:pRg st="8" end="8"/>
+                                            </p:txEl>
+                                          </p:spTgt>
+                                        </p:tgtEl>
+                                        <p:attrNameLst>
+                                          <p:attrName>style.visibility</p:attrName>
+                                        </p:attrNameLst>
+                                      </p:cBhvr>
+                                      <p:to>
+                                        <p:strVal val="visible"/>
+                                      </p:to>
+                                    </p:set>
+                                  </p:childTnLst>
+                                </p:cTn>
+                              </p:par>
+                            </p:childTnLst>
+                          </p:cTn>
+                        </p:par>
+                      </p:childTnLst>
+                    </p:cTn>
+                  </p:par>
+                </p:childTnLst>
+              </p:cTn>
+              <p:prevCondLst>
+                <p:cond evt="onPrev" delay="0">
+                  <p:tgtEl>
+                    <p:sldTgt/>
+                  </p:tgtEl>
+                </p:cond>
+              </p:prevCondLst>
+              <p:nextCondLst>
+                <p:cond evt="onNext" delay="0">
+                  <p:tgtEl>
+                    <p:sldTgt/>
+                  </p:tgtEl>
+                </p:cond>
+              </p:nextCondLst>
+            </p:seq>
+          </p:childTnLst>
+        </p:cTn>
+      </p:par>
+    </p:tnLst>
+  </p:timing>
 </p:sld>
 </file>
 
@@ -9631,6 +13064,126 @@
   <p:clrMapOvr>
     <a:masterClrMapping/>
   </p:clrMapOvr>
+  <p:timing>
+    <p:tnLst>
+      <p:par>
+        <p:cTn id="1" dur="indefinite" restart="never" nodeType="tmRoot">
+          <p:childTnLst>
+            <p:seq concurrent="1" nextAc="seek">
+              <p:cTn id="2" dur="indefinite" nodeType="mainSeq">
+                <p:childTnLst>
+                  <p:par>
+                    <p:cTn id="3" fill="hold">
+                      <p:stCondLst>
+                        <p:cond delay="indefinite"/>
+                      </p:stCondLst>
+                      <p:childTnLst>
+                        <p:par>
+                          <p:cTn id="4" fill="hold">
+                            <p:stCondLst>
+                              <p:cond delay="0"/>
+                            </p:stCondLst>
+                            <p:childTnLst>
+                              <p:par>
+                                <p:cTn id="5" presetID="1" presetClass="entr" presetSubtype="0" fill="hold" nodeType="clickEffect">
+                                  <p:stCondLst>
+                                    <p:cond delay="0"/>
+                                  </p:stCondLst>
+                                  <p:childTnLst>
+                                    <p:set>
+                                      <p:cBhvr>
+                                        <p:cTn id="6" dur="1" fill="hold">
+                                          <p:stCondLst>
+                                            <p:cond delay="0"/>
+                                          </p:stCondLst>
+                                        </p:cTn>
+                                        <p:tgtEl>
+                                          <p:spTgt spid="5"/>
+                                        </p:tgtEl>
+                                        <p:attrNameLst>
+                                          <p:attrName>style.visibility</p:attrName>
+                                        </p:attrNameLst>
+                                      </p:cBhvr>
+                                      <p:to>
+                                        <p:strVal val="visible"/>
+                                      </p:to>
+                                    </p:set>
+                                  </p:childTnLst>
+                                </p:cTn>
+                              </p:par>
+                            </p:childTnLst>
+                          </p:cTn>
+                        </p:par>
+                      </p:childTnLst>
+                    </p:cTn>
+                  </p:par>
+                  <p:par>
+                    <p:cTn id="7" fill="hold">
+                      <p:stCondLst>
+                        <p:cond delay="indefinite"/>
+                      </p:stCondLst>
+                      <p:childTnLst>
+                        <p:par>
+                          <p:cTn id="8" fill="hold">
+                            <p:stCondLst>
+                              <p:cond delay="0"/>
+                            </p:stCondLst>
+                            <p:childTnLst>
+                              <p:par>
+                                <p:cTn id="9" presetID="1" presetClass="entr" presetSubtype="0" fill="hold" nodeType="clickEffect">
+                                  <p:stCondLst>
+                                    <p:cond delay="0"/>
+                                  </p:stCondLst>
+                                  <p:childTnLst>
+                                    <p:set>
+                                      <p:cBhvr>
+                                        <p:cTn id="10" dur="1" fill="hold">
+                                          <p:stCondLst>
+                                            <p:cond delay="0"/>
+                                          </p:stCondLst>
+                                        </p:cTn>
+                                        <p:tgtEl>
+                                          <p:spTgt spid="6"/>
+                                        </p:tgtEl>
+                                        <p:attrNameLst>
+                                          <p:attrName>style.visibility</p:attrName>
+                                        </p:attrNameLst>
+                                      </p:cBhvr>
+                                      <p:to>
+                                        <p:strVal val="visible"/>
+                                      </p:to>
+                                    </p:set>
+                                  </p:childTnLst>
+                                </p:cTn>
+                              </p:par>
+                            </p:childTnLst>
+                          </p:cTn>
+                        </p:par>
+                      </p:childTnLst>
+                    </p:cTn>
+                  </p:par>
+                </p:childTnLst>
+              </p:cTn>
+              <p:prevCondLst>
+                <p:cond evt="onPrev" delay="0">
+                  <p:tgtEl>
+                    <p:sldTgt/>
+                  </p:tgtEl>
+                </p:cond>
+              </p:prevCondLst>
+              <p:nextCondLst>
+                <p:cond evt="onNext" delay="0">
+                  <p:tgtEl>
+                    <p:sldTgt/>
+                  </p:tgtEl>
+                </p:cond>
+              </p:nextCondLst>
+            </p:seq>
+          </p:childTnLst>
+        </p:cTn>
+      </p:par>
+    </p:tnLst>
+  </p:timing>
 </p:sld>
 </file>
 
@@ -9710,7 +13263,7 @@
           <a:p>
             <a:fld id="{1792AA13-FEB2-40EC-A594-EDCBCC748FA7}" type="datetime1">
               <a:rPr lang="vi-VN" smtClean="0"/>
-              <a:t>30/12/2021</a:t>
+              <a:t>06/01/2022</a:t>
             </a:fld>
             <a:endParaRPr lang="en-US" dirty="0"/>
           </a:p>
@@ -9846,7 +13399,7 @@
           <a:p>
             <a:fld id="{1792AA13-FEB2-40EC-A594-EDCBCC748FA7}" type="datetime1">
               <a:rPr lang="vi-VN" smtClean="0"/>
-              <a:t>30/12/2021</a:t>
+              <a:t>06/01/2022</a:t>
             </a:fld>
             <a:endParaRPr lang="en-US" dirty="0"/>
           </a:p>
@@ -9995,102 +13548,235 @@
           <a:p>
             <a:r>
               <a:rPr lang="en-US" dirty="0">
+                <a:effectLst/>
                 <a:latin typeface="Georgia" panose="02040502050405020303" pitchFamily="18" charset="0"/>
+                <a:ea typeface="Calibri" panose="020F0502020204030204" pitchFamily="34" charset="0"/>
                 <a:cs typeface="Arial" panose="020B0604020202020204" pitchFamily="34" charset="0"/>
               </a:rPr>
-              <a:t>Simple Mean:</a:t>
-            </a:r>
-          </a:p>
-          <a:p>
-            <a:pPr lvl="1"/>
-            <a:r>
-              <a:rPr lang="en-US" dirty="0">
-                <a:latin typeface="Georgia" panose="02040502050405020303" pitchFamily="18" charset="0"/>
-                <a:cs typeface="Arial" panose="020B0604020202020204" pitchFamily="34" charset="0"/>
-              </a:rPr>
-              <a:t>Simplest Model</a:t>
-            </a:r>
-          </a:p>
-          <a:p>
-            <a:pPr lvl="1"/>
-            <a:r>
-              <a:rPr lang="en-US" dirty="0">
-                <a:latin typeface="Georgia" panose="02040502050405020303" pitchFamily="18" charset="0"/>
-                <a:cs typeface="Arial" panose="020B0604020202020204" pitchFamily="34" charset="0"/>
-              </a:rPr>
-              <a:t>Use average recommendation across users</a:t>
-            </a:r>
-          </a:p>
-          <a:p>
-            <a:r>
-              <a:rPr lang="en-US" dirty="0">
-                <a:latin typeface="Georgia" panose="02040502050405020303" pitchFamily="18" charset="0"/>
-                <a:cs typeface="Arial" panose="020B0604020202020204" pitchFamily="34" charset="0"/>
-              </a:rPr>
-              <a:t>Weighted Mean :</a:t>
-            </a:r>
-          </a:p>
-          <a:p>
-            <a:pPr lvl="1"/>
-            <a:r>
-              <a:rPr lang="en-US" dirty="0">
-                <a:latin typeface="Georgia" panose="02040502050405020303" pitchFamily="18" charset="0"/>
-                <a:cs typeface="Arial" panose="020B0604020202020204" pitchFamily="34" charset="0"/>
-              </a:rPr>
-              <a:t>Identify similar users with cosine score</a:t>
-            </a:r>
-          </a:p>
-          <a:p>
-            <a:pPr lvl="1"/>
-            <a:r>
-              <a:rPr lang="en-US" dirty="0">
-                <a:latin typeface="Georgia" panose="02040502050405020303" pitchFamily="18" charset="0"/>
-              </a:rPr>
-              <a:t>Multiply recommendation with similar score before summing up</a:t>
-            </a:r>
-            <a:endParaRPr lang="vi-VN" dirty="0"/>
-          </a:p>
-          <a:p>
-            <a:r>
-              <a:rPr lang="en-US" dirty="0">
-                <a:latin typeface="Georgia" panose="02040502050405020303" pitchFamily="18" charset="0"/>
-                <a:cs typeface="Arial" panose="020B0604020202020204" pitchFamily="34" charset="0"/>
-              </a:rPr>
-              <a:t>Advanced Method:</a:t>
-            </a:r>
-          </a:p>
-          <a:p>
-            <a:pPr lvl="1"/>
-            <a:r>
-              <a:rPr lang="en-US" dirty="0">
-                <a:latin typeface="Georgia" panose="02040502050405020303" pitchFamily="18" charset="0"/>
-                <a:cs typeface="Arial" panose="020B0604020202020204" pitchFamily="34" charset="0"/>
-              </a:rPr>
-              <a:t>Use Machine Learning to identify user clusters</a:t>
-            </a:r>
-          </a:p>
-          <a:p>
-            <a:pPr lvl="1"/>
-            <a:r>
-              <a:rPr lang="en-US" dirty="0">
-                <a:latin typeface="Georgia" panose="02040502050405020303" pitchFamily="18" charset="0"/>
-                <a:cs typeface="Arial" panose="020B0604020202020204" pitchFamily="34" charset="0"/>
-              </a:rPr>
-              <a:t>Surprise Scikit</a:t>
+              <a:t>Creating a Rating Matrix</a:t>
             </a:r>
           </a:p>
         </p:txBody>
       </p:sp>
+      <p:pic>
+        <p:nvPicPr>
+          <p:cNvPr id="4" name="Hình ảnh 3" descr="Ảnh có chứa bàn&#10;&#10;Mô tả được tạo tự động">
+            <a:extLst>
+              <a:ext uri="{FF2B5EF4-FFF2-40B4-BE49-F238E27FC236}">
+                <a16:creationId xmlns:a16="http://schemas.microsoft.com/office/drawing/2014/main" id="{ECEDE88E-CB65-4C40-BA1F-2ACE3659A25A}"/>
+              </a:ext>
+            </a:extLst>
+          </p:cNvPr>
+          <p:cNvPicPr>
+            <a:picLocks noChangeAspect="1"/>
+          </p:cNvPicPr>
+          <p:nvPr/>
+        </p:nvPicPr>
+        <p:blipFill>
+          <a:blip r:embed="rId2">
+            <a:extLst>
+              <a:ext uri="{28A0092B-C50C-407E-A947-70E740481C1C}">
+                <a14:useLocalDpi xmlns:a14="http://schemas.microsoft.com/office/drawing/2010/main" val="0"/>
+              </a:ext>
+            </a:extLst>
+          </a:blip>
+          <a:stretch>
+            <a:fillRect/>
+          </a:stretch>
+        </p:blipFill>
+        <p:spPr>
+          <a:xfrm>
+            <a:off x="133206" y="3207327"/>
+            <a:ext cx="11475433" cy="2708304"/>
+          </a:xfrm>
+          <a:prstGeom prst="rect">
+            <a:avLst/>
+          </a:prstGeom>
+        </p:spPr>
+      </p:pic>
     </p:spTree>
     <p:extLst>
       <p:ext uri="{BB962C8B-B14F-4D97-AF65-F5344CB8AC3E}">
-        <p14:creationId xmlns:p14="http://schemas.microsoft.com/office/powerpoint/2010/main" val="731378233"/>
+        <p14:creationId xmlns:p14="http://schemas.microsoft.com/office/powerpoint/2010/main" val="48833491"/>
       </p:ext>
     </p:extLst>
   </p:cSld>
   <p:clrMapOvr>
     <a:masterClrMapping/>
   </p:clrMapOvr>
+  <p:timing>
+    <p:tnLst>
+      <p:par>
+        <p:cTn id="1" dur="indefinite" restart="never" nodeType="tmRoot">
+          <p:childTnLst>
+            <p:seq concurrent="1" nextAc="seek">
+              <p:cTn id="2" dur="indefinite" nodeType="mainSeq">
+                <p:childTnLst>
+                  <p:par>
+                    <p:cTn id="3" fill="hold">
+                      <p:stCondLst>
+                        <p:cond delay="indefinite"/>
+                      </p:stCondLst>
+                      <p:childTnLst>
+                        <p:par>
+                          <p:cTn id="4" fill="hold">
+                            <p:stCondLst>
+                              <p:cond delay="0"/>
+                            </p:stCondLst>
+                            <p:childTnLst>
+                              <p:par>
+                                <p:cTn id="5" presetID="1" presetClass="entr" presetSubtype="0" fill="hold" nodeType="clickEffect">
+                                  <p:stCondLst>
+                                    <p:cond delay="0"/>
+                                  </p:stCondLst>
+                                  <p:childTnLst>
+                                    <p:set>
+                                      <p:cBhvr>
+                                        <p:cTn id="6" dur="1" fill="hold">
+                                          <p:stCondLst>
+                                            <p:cond delay="0"/>
+                                          </p:stCondLst>
+                                        </p:cTn>
+                                        <p:tgtEl>
+                                          <p:spTgt spid="3">
+                                            <p:txEl>
+                                              <p:pRg st="0" end="0"/>
+                                            </p:txEl>
+                                          </p:spTgt>
+                                        </p:tgtEl>
+                                        <p:attrNameLst>
+                                          <p:attrName>style.visibility</p:attrName>
+                                        </p:attrNameLst>
+                                      </p:cBhvr>
+                                      <p:to>
+                                        <p:strVal val="visible"/>
+                                      </p:to>
+                                    </p:set>
+                                  </p:childTnLst>
+                                </p:cTn>
+                              </p:par>
+                            </p:childTnLst>
+                          </p:cTn>
+                        </p:par>
+                      </p:childTnLst>
+                    </p:cTn>
+                  </p:par>
+                  <p:par>
+                    <p:cTn id="7" fill="hold">
+                      <p:stCondLst>
+                        <p:cond delay="indefinite"/>
+                      </p:stCondLst>
+                      <p:childTnLst>
+                        <p:par>
+                          <p:cTn id="8" fill="hold">
+                            <p:stCondLst>
+                              <p:cond delay="0"/>
+                            </p:stCondLst>
+                            <p:childTnLst>
+                              <p:par>
+                                <p:cTn id="9" presetID="1" presetClass="entr" presetSubtype="0" fill="hold" nodeType="clickEffect">
+                                  <p:stCondLst>
+                                    <p:cond delay="0"/>
+                                  </p:stCondLst>
+                                  <p:childTnLst>
+                                    <p:set>
+                                      <p:cBhvr>
+                                        <p:cTn id="10" dur="1" fill="hold">
+                                          <p:stCondLst>
+                                            <p:cond delay="0"/>
+                                          </p:stCondLst>
+                                        </p:cTn>
+                                        <p:tgtEl>
+                                          <p:spTgt spid="3">
+                                            <p:txEl>
+                                              <p:pRg st="1" end="1"/>
+                                            </p:txEl>
+                                          </p:spTgt>
+                                        </p:tgtEl>
+                                        <p:attrNameLst>
+                                          <p:attrName>style.visibility</p:attrName>
+                                        </p:attrNameLst>
+                                      </p:cBhvr>
+                                      <p:to>
+                                        <p:strVal val="visible"/>
+                                      </p:to>
+                                    </p:set>
+                                  </p:childTnLst>
+                                </p:cTn>
+                              </p:par>
+                            </p:childTnLst>
+                          </p:cTn>
+                        </p:par>
+                      </p:childTnLst>
+                    </p:cTn>
+                  </p:par>
+                  <p:par>
+                    <p:cTn id="11" fill="hold">
+                      <p:stCondLst>
+                        <p:cond delay="indefinite"/>
+                      </p:stCondLst>
+                      <p:childTnLst>
+                        <p:par>
+                          <p:cTn id="12" fill="hold">
+                            <p:stCondLst>
+                              <p:cond delay="0"/>
+                            </p:stCondLst>
+                            <p:childTnLst>
+                              <p:par>
+                                <p:cTn id="13" presetID="1" presetClass="entr" presetSubtype="0" fill="hold" nodeType="clickEffect">
+                                  <p:stCondLst>
+                                    <p:cond delay="0"/>
+                                  </p:stCondLst>
+                                  <p:childTnLst>
+                                    <p:set>
+                                      <p:cBhvr>
+                                        <p:cTn id="14" dur="1" fill="hold">
+                                          <p:stCondLst>
+                                            <p:cond delay="0"/>
+                                          </p:stCondLst>
+                                        </p:cTn>
+                                        <p:tgtEl>
+                                          <p:spTgt spid="4"/>
+                                        </p:tgtEl>
+                                        <p:attrNameLst>
+                                          <p:attrName>style.visibility</p:attrName>
+                                        </p:attrNameLst>
+                                      </p:cBhvr>
+                                      <p:to>
+                                        <p:strVal val="visible"/>
+                                      </p:to>
+                                    </p:set>
+                                  </p:childTnLst>
+                                </p:cTn>
+                              </p:par>
+                            </p:childTnLst>
+                          </p:cTn>
+                        </p:par>
+                      </p:childTnLst>
+                    </p:cTn>
+                  </p:par>
+                </p:childTnLst>
+              </p:cTn>
+              <p:prevCondLst>
+                <p:cond evt="onPrev" delay="0">
+                  <p:tgtEl>
+                    <p:sldTgt/>
+                  </p:tgtEl>
+                </p:cond>
+              </p:prevCondLst>
+              <p:nextCondLst>
+                <p:cond evt="onNext" delay="0">
+                  <p:tgtEl>
+                    <p:sldTgt/>
+                  </p:tgtEl>
+                </p:cond>
+              </p:nextCondLst>
+            </p:seq>
+          </p:childTnLst>
+        </p:cTn>
+      </p:par>
+    </p:tnLst>
+  </p:timing>
 </p:sld>
 </file>
 
